--- a/Product Catalog Management System.pptx
+++ b/Product Catalog Management System.pptx
@@ -8,35 +8,35 @@
     <p:sldId id="256" r:id="rId2"/>
     <p:sldId id="257" r:id="rId3"/>
     <p:sldId id="258" r:id="rId4"/>
-    <p:sldId id="259" r:id="rId5"/>
-    <p:sldId id="260" r:id="rId6"/>
-    <p:sldId id="261" r:id="rId7"/>
-    <p:sldId id="262" r:id="rId8"/>
-    <p:sldId id="264" r:id="rId9"/>
-    <p:sldId id="266" r:id="rId10"/>
-    <p:sldId id="268" r:id="rId11"/>
-    <p:sldId id="274" r:id="rId12"/>
-    <p:sldId id="269" r:id="rId13"/>
-    <p:sldId id="270" r:id="rId14"/>
-    <p:sldId id="271" r:id="rId15"/>
-    <p:sldId id="272" r:id="rId16"/>
-    <p:sldId id="273" r:id="rId17"/>
-    <p:sldId id="275" r:id="rId18"/>
-    <p:sldId id="276" r:id="rId19"/>
-    <p:sldId id="277" r:id="rId20"/>
-    <p:sldId id="278" r:id="rId21"/>
-    <p:sldId id="279" r:id="rId22"/>
-    <p:sldId id="280" r:id="rId23"/>
-    <p:sldId id="281" r:id="rId24"/>
-    <p:sldId id="282" r:id="rId25"/>
-    <p:sldId id="283" r:id="rId26"/>
-    <p:sldId id="284" r:id="rId27"/>
-    <p:sldId id="285" r:id="rId28"/>
-    <p:sldId id="286" r:id="rId29"/>
-    <p:sldId id="287" r:id="rId30"/>
-    <p:sldId id="288" r:id="rId31"/>
-    <p:sldId id="289" r:id="rId32"/>
-    <p:sldId id="290" r:id="rId33"/>
+    <p:sldId id="289" r:id="rId5"/>
+    <p:sldId id="290" r:id="rId6"/>
+    <p:sldId id="260" r:id="rId7"/>
+    <p:sldId id="297" r:id="rId8"/>
+    <p:sldId id="269" r:id="rId9"/>
+    <p:sldId id="270" r:id="rId10"/>
+    <p:sldId id="271" r:id="rId11"/>
+    <p:sldId id="272" r:id="rId12"/>
+    <p:sldId id="273" r:id="rId13"/>
+    <p:sldId id="261" r:id="rId14"/>
+    <p:sldId id="262" r:id="rId15"/>
+    <p:sldId id="264" r:id="rId16"/>
+    <p:sldId id="266" r:id="rId17"/>
+    <p:sldId id="268" r:id="rId18"/>
+    <p:sldId id="274" r:id="rId19"/>
+    <p:sldId id="275" r:id="rId20"/>
+    <p:sldId id="276" r:id="rId21"/>
+    <p:sldId id="277" r:id="rId22"/>
+    <p:sldId id="278" r:id="rId23"/>
+    <p:sldId id="279" r:id="rId24"/>
+    <p:sldId id="280" r:id="rId25"/>
+    <p:sldId id="281" r:id="rId26"/>
+    <p:sldId id="282" r:id="rId27"/>
+    <p:sldId id="283" r:id="rId28"/>
+    <p:sldId id="284" r:id="rId29"/>
+    <p:sldId id="285" r:id="rId30"/>
+    <p:sldId id="286" r:id="rId31"/>
+    <p:sldId id="287" r:id="rId32"/>
+    <p:sldId id="288" r:id="rId33"/>
     <p:sldId id="291" r:id="rId34"/>
     <p:sldId id="292" r:id="rId35"/>
     <p:sldId id="293" r:id="rId36"/>
@@ -141,6 +141,11 @@
       </a:defRPr>
     </a:lvl9pPr>
   </p:defaultTextStyle>
+  <p:extLst>
+    <p:ext uri="{EFAFB233-063F-42B5-8137-9DF3F51BA10A}">
+      <p15:sldGuideLst xmlns:p15="http://schemas.microsoft.com/office/powerpoint/2012/main"/>
+    </p:ext>
+  </p:extLst>
 </p:presentation>
 </file>
 
@@ -283,7 +288,7 @@
           <a:p>
             <a:fld id="{A423BF71-38B7-8642-BFCE-EDAE9BD0CBAF}" type="datetimeFigureOut">
               <a:rPr lang="en-US" dirty="0"/>
-              <a:t>7/15/2024</a:t>
+              <a:t>7/19/2024</a:t>
             </a:fld>
             <a:endParaRPr lang="en-US" dirty="0"/>
           </a:p>
@@ -383,13 +388,13 @@
   <p:clrMapOvr>
     <a:masterClrMapping/>
   </p:clrMapOvr>
-  <mc:AlternateContent xmlns:mc="http://schemas.openxmlformats.org/markup-compatibility/2006">
-    <mc:Choice xmlns:p15="http://schemas.microsoft.com/office/powerpoint/2012/main" Requires="p15">
+  <mc:AlternateContent xmlns:mc="http://schemas.openxmlformats.org/markup-compatibility/2006" xmlns:p15="http://schemas.microsoft.com/office/powerpoint/2012/main">
+    <mc:Choice Requires="p15">
       <p:transition xmlns:p14="http://schemas.microsoft.com/office/powerpoint/2010/main" spd="slow" p14:dur="2000">
         <p15:prstTrans prst="drape"/>
       </p:transition>
     </mc:Choice>
-    <mc:Fallback>
+    <mc:Fallback xmlns="">
       <p:transition spd="slow">
         <p:fade/>
       </p:transition>
@@ -507,7 +512,7 @@
           <a:p>
             <a:fld id="{73B025CB-9D18-264E-A945-2D020344C9DA}" type="datetimeFigureOut">
               <a:rPr lang="en-US" dirty="0"/>
-              <a:t>7/15/2024</a:t>
+              <a:t>7/19/2024</a:t>
             </a:fld>
             <a:endParaRPr lang="en-US" dirty="0"/>
           </a:p>
@@ -597,13 +602,13 @@
   <p:clrMapOvr>
     <a:masterClrMapping/>
   </p:clrMapOvr>
-  <mc:AlternateContent xmlns:mc="http://schemas.openxmlformats.org/markup-compatibility/2006">
-    <mc:Choice xmlns:p15="http://schemas.microsoft.com/office/powerpoint/2012/main" Requires="p15">
+  <mc:AlternateContent xmlns:mc="http://schemas.openxmlformats.org/markup-compatibility/2006" xmlns:p15="http://schemas.microsoft.com/office/powerpoint/2012/main">
+    <mc:Choice Requires="p15">
       <p:transition xmlns:p14="http://schemas.microsoft.com/office/powerpoint/2010/main" spd="slow" p14:dur="2000">
         <p15:prstTrans prst="drape"/>
       </p:transition>
     </mc:Choice>
-    <mc:Fallback>
+    <mc:Fallback xmlns="">
       <p:transition spd="slow">
         <p:fade/>
       </p:transition>
@@ -735,7 +740,7 @@
           <a:p>
             <a:fld id="{507EFB6C-7E96-8F41-8872-189CA1C59F84}" type="datetimeFigureOut">
               <a:rPr lang="en-US" dirty="0"/>
-              <a:t>7/15/2024</a:t>
+              <a:t>7/19/2024</a:t>
             </a:fld>
             <a:endParaRPr lang="en-US" dirty="0"/>
           </a:p>
@@ -825,13 +830,13 @@
   <p:clrMapOvr>
     <a:masterClrMapping/>
   </p:clrMapOvr>
-  <mc:AlternateContent xmlns:mc="http://schemas.openxmlformats.org/markup-compatibility/2006">
-    <mc:Choice xmlns:p15="http://schemas.microsoft.com/office/powerpoint/2012/main" Requires="p15">
+  <mc:AlternateContent xmlns:mc="http://schemas.openxmlformats.org/markup-compatibility/2006" xmlns:p15="http://schemas.microsoft.com/office/powerpoint/2012/main">
+    <mc:Choice Requires="p15">
       <p:transition xmlns:p14="http://schemas.microsoft.com/office/powerpoint/2010/main" spd="slow" p14:dur="2000">
         <p15:prstTrans prst="drape"/>
       </p:transition>
     </mc:Choice>
-    <mc:Fallback>
+    <mc:Fallback xmlns="">
       <p:transition spd="slow">
         <p:fade/>
       </p:transition>
@@ -949,7 +954,7 @@
           <a:p>
             <a:fld id="{B6981CDE-9BE7-C544-8ACB-7077DFC4270F}" type="datetimeFigureOut">
               <a:rPr lang="en-US" dirty="0"/>
-              <a:t>7/15/2024</a:t>
+              <a:t>7/19/2024</a:t>
             </a:fld>
             <a:endParaRPr lang="en-US" dirty="0"/>
           </a:p>
@@ -1039,13 +1044,13 @@
   <p:clrMapOvr>
     <a:masterClrMapping/>
   </p:clrMapOvr>
-  <mc:AlternateContent xmlns:mc="http://schemas.openxmlformats.org/markup-compatibility/2006">
-    <mc:Choice xmlns:p15="http://schemas.microsoft.com/office/powerpoint/2012/main" Requires="p15">
+  <mc:AlternateContent xmlns:mc="http://schemas.openxmlformats.org/markup-compatibility/2006" xmlns:p15="http://schemas.microsoft.com/office/powerpoint/2012/main">
+    <mc:Choice Requires="p15">
       <p:transition xmlns:p14="http://schemas.microsoft.com/office/powerpoint/2010/main" spd="slow" p14:dur="2000">
         <p15:prstTrans prst="drape"/>
       </p:transition>
     </mc:Choice>
-    <mc:Fallback>
+    <mc:Fallback xmlns="">
       <p:transition spd="slow">
         <p:fade/>
       </p:transition>
@@ -1241,7 +1246,7 @@
           <a:p>
             <a:fld id="{B55BA285-9698-1B45-8319-D90A8C63F150}" type="datetimeFigureOut">
               <a:rPr lang="en-US" dirty="0"/>
-              <a:t>7/15/2024</a:t>
+              <a:t>7/19/2024</a:t>
             </a:fld>
             <a:endParaRPr lang="en-US" dirty="0"/>
           </a:p>
@@ -1331,13 +1336,13 @@
   <p:clrMapOvr>
     <a:masterClrMapping/>
   </p:clrMapOvr>
-  <mc:AlternateContent xmlns:mc="http://schemas.openxmlformats.org/markup-compatibility/2006">
-    <mc:Choice xmlns:p15="http://schemas.microsoft.com/office/powerpoint/2012/main" Requires="p15">
+  <mc:AlternateContent xmlns:mc="http://schemas.openxmlformats.org/markup-compatibility/2006" xmlns:p15="http://schemas.microsoft.com/office/powerpoint/2012/main">
+    <mc:Choice Requires="p15">
       <p:transition xmlns:p14="http://schemas.microsoft.com/office/powerpoint/2010/main" spd="slow" p14:dur="2000">
         <p15:prstTrans prst="drape"/>
       </p:transition>
     </mc:Choice>
-    <mc:Fallback>
+    <mc:Fallback xmlns="">
       <p:transition spd="slow">
         <p:fade/>
       </p:transition>
@@ -1522,7 +1527,7 @@
           <a:p>
             <a:fld id="{0A86CD42-43FF-B740-998F-DCC3802C4CE3}" type="datetimeFigureOut">
               <a:rPr lang="en-US" dirty="0"/>
-              <a:t>7/15/2024</a:t>
+              <a:t>7/19/2024</a:t>
             </a:fld>
             <a:endParaRPr lang="en-US" dirty="0"/>
           </a:p>
@@ -1612,13 +1617,13 @@
   <p:clrMapOvr>
     <a:masterClrMapping/>
   </p:clrMapOvr>
-  <mc:AlternateContent xmlns:mc="http://schemas.openxmlformats.org/markup-compatibility/2006">
-    <mc:Choice xmlns:p15="http://schemas.microsoft.com/office/powerpoint/2012/main" Requires="p15">
+  <mc:AlternateContent xmlns:mc="http://schemas.openxmlformats.org/markup-compatibility/2006" xmlns:p15="http://schemas.microsoft.com/office/powerpoint/2012/main">
+    <mc:Choice Requires="p15">
       <p:transition xmlns:p14="http://schemas.microsoft.com/office/powerpoint/2010/main" spd="slow" p14:dur="2000">
         <p15:prstTrans prst="drape"/>
       </p:transition>
     </mc:Choice>
-    <mc:Fallback>
+    <mc:Fallback xmlns="">
       <p:transition spd="slow">
         <p:fade/>
       </p:transition>
@@ -1951,7 +1956,7 @@
           <a:p>
             <a:fld id="{CEA0FFBD-2EE4-8547-BBAE-A1AC91C8D77E}" type="datetimeFigureOut">
               <a:rPr lang="en-US" dirty="0"/>
-              <a:t>7/15/2024</a:t>
+              <a:t>7/19/2024</a:t>
             </a:fld>
             <a:endParaRPr lang="en-US" dirty="0"/>
           </a:p>
@@ -2041,13 +2046,13 @@
   <p:clrMapOvr>
     <a:masterClrMapping/>
   </p:clrMapOvr>
-  <mc:AlternateContent xmlns:mc="http://schemas.openxmlformats.org/markup-compatibility/2006">
-    <mc:Choice xmlns:p15="http://schemas.microsoft.com/office/powerpoint/2012/main" Requires="p15">
+  <mc:AlternateContent xmlns:mc="http://schemas.openxmlformats.org/markup-compatibility/2006" xmlns:p15="http://schemas.microsoft.com/office/powerpoint/2012/main">
+    <mc:Choice Requires="p15">
       <p:transition xmlns:p14="http://schemas.microsoft.com/office/powerpoint/2010/main" spd="slow" p14:dur="2000">
         <p15:prstTrans prst="drape"/>
       </p:transition>
     </mc:Choice>
-    <mc:Fallback>
+    <mc:Fallback xmlns="">
       <p:transition spd="slow">
         <p:fade/>
       </p:transition>
@@ -2113,7 +2118,7 @@
           <a:p>
             <a:fld id="{955A2352-D7AC-F242-9256-A4477BCBF354}" type="datetimeFigureOut">
               <a:rPr lang="en-US" dirty="0"/>
-              <a:t>7/15/2024</a:t>
+              <a:t>7/19/2024</a:t>
             </a:fld>
             <a:endParaRPr lang="en-US" dirty="0"/>
           </a:p>
@@ -2203,13 +2208,13 @@
   <p:clrMapOvr>
     <a:masterClrMapping/>
   </p:clrMapOvr>
-  <mc:AlternateContent xmlns:mc="http://schemas.openxmlformats.org/markup-compatibility/2006">
-    <mc:Choice xmlns:p15="http://schemas.microsoft.com/office/powerpoint/2012/main" Requires="p15">
+  <mc:AlternateContent xmlns:mc="http://schemas.openxmlformats.org/markup-compatibility/2006" xmlns:p15="http://schemas.microsoft.com/office/powerpoint/2012/main">
+    <mc:Choice Requires="p15">
       <p:transition xmlns:p14="http://schemas.microsoft.com/office/powerpoint/2010/main" spd="slow" p14:dur="2000">
         <p15:prstTrans prst="drape"/>
       </p:transition>
     </mc:Choice>
-    <mc:Fallback>
+    <mc:Fallback xmlns="">
       <p:transition spd="slow">
         <p:fade/>
       </p:transition>
@@ -2252,7 +2257,7 @@
           <a:p>
             <a:fld id="{4EFCFC6A-9AE6-404D-9FDD-168B477B9C90}" type="datetimeFigureOut">
               <a:rPr lang="en-US" dirty="0"/>
-              <a:t>7/15/2024</a:t>
+              <a:t>7/19/2024</a:t>
             </a:fld>
             <a:endParaRPr lang="en-US" dirty="0"/>
           </a:p>
@@ -2305,13 +2310,13 @@
   <p:clrMapOvr>
     <a:masterClrMapping/>
   </p:clrMapOvr>
-  <mc:AlternateContent xmlns:mc="http://schemas.openxmlformats.org/markup-compatibility/2006">
-    <mc:Choice xmlns:p15="http://schemas.microsoft.com/office/powerpoint/2012/main" Requires="p15">
+  <mc:AlternateContent xmlns:mc="http://schemas.openxmlformats.org/markup-compatibility/2006" xmlns:p15="http://schemas.microsoft.com/office/powerpoint/2012/main">
+    <mc:Choice Requires="p15">
       <p:transition xmlns:p14="http://schemas.microsoft.com/office/powerpoint/2010/main" spd="slow" p14:dur="2000">
         <p15:prstTrans prst="drape"/>
       </p:transition>
     </mc:Choice>
-    <mc:Fallback>
+    <mc:Fallback xmlns="">
       <p:transition spd="slow">
         <p:fade/>
       </p:transition>
@@ -2510,7 +2515,7 @@
           <a:p>
             <a:fld id="{61CFCDFD-B4CF-A241-8D71-E814B10BEAF4}" type="datetimeFigureOut">
               <a:rPr lang="en-US" dirty="0"/>
-              <a:t>7/15/2024</a:t>
+              <a:t>7/19/2024</a:t>
             </a:fld>
             <a:endParaRPr lang="en-US" dirty="0"/>
           </a:p>
@@ -2600,13 +2605,13 @@
   <p:clrMapOvr>
     <a:masterClrMapping/>
   </p:clrMapOvr>
-  <mc:AlternateContent xmlns:mc="http://schemas.openxmlformats.org/markup-compatibility/2006">
-    <mc:Choice xmlns:p15="http://schemas.microsoft.com/office/powerpoint/2012/main" Requires="p15">
+  <mc:AlternateContent xmlns:mc="http://schemas.openxmlformats.org/markup-compatibility/2006" xmlns:p15="http://schemas.microsoft.com/office/powerpoint/2012/main">
+    <mc:Choice Requires="p15">
       <p:transition xmlns:p14="http://schemas.microsoft.com/office/powerpoint/2010/main" spd="slow" p14:dur="2000">
         <p15:prstTrans prst="drape"/>
       </p:transition>
     </mc:Choice>
-    <mc:Fallback>
+    <mc:Fallback xmlns="">
       <p:transition spd="slow">
         <p:fade/>
       </p:transition>
@@ -2972,7 +2977,7 @@
           <a:p>
             <a:fld id="{26A7B589-FD4B-7E46-869A-CBADC5FC564E}" type="datetimeFigureOut">
               <a:rPr lang="en-US" dirty="0"/>
-              <a:t>7/15/2024</a:t>
+              <a:t>7/19/2024</a:t>
             </a:fld>
             <a:endParaRPr lang="en-US" dirty="0"/>
           </a:p>
@@ -3067,13 +3072,13 @@
   <p:clrMapOvr>
     <a:masterClrMapping/>
   </p:clrMapOvr>
-  <mc:AlternateContent xmlns:mc="http://schemas.openxmlformats.org/markup-compatibility/2006">
-    <mc:Choice xmlns:p15="http://schemas.microsoft.com/office/powerpoint/2012/main" Requires="p15">
+  <mc:AlternateContent xmlns:mc="http://schemas.openxmlformats.org/markup-compatibility/2006" xmlns:p15="http://schemas.microsoft.com/office/powerpoint/2012/main">
+    <mc:Choice Requires="p15">
       <p:transition xmlns:p14="http://schemas.microsoft.com/office/powerpoint/2010/main" spd="slow" p14:dur="2000">
         <p15:prstTrans prst="drape"/>
       </p:transition>
     </mc:Choice>
-    <mc:Fallback>
+    <mc:Fallback xmlns="">
       <p:transition spd="slow">
         <p:fade/>
       </p:transition>
@@ -3305,7 +3310,7 @@
           <a:p>
             <a:fld id="{4CD8A92E-5FF9-8143-81B3-CCB531513398}" type="datetimeFigureOut">
               <a:rPr lang="en-US" dirty="0"/>
-              <a:t>7/15/2024</a:t>
+              <a:t>7/19/2024</a:t>
             </a:fld>
             <a:endParaRPr lang="en-US" dirty="0"/>
           </a:p>
@@ -3441,13 +3446,13 @@
     <p:sldLayoutId id="2147483658" r:id="rId10"/>
     <p:sldLayoutId id="2147483659" r:id="rId11"/>
   </p:sldLayoutIdLst>
-  <mc:AlternateContent xmlns:mc="http://schemas.openxmlformats.org/markup-compatibility/2006">
-    <mc:Choice xmlns:p15="http://schemas.microsoft.com/office/powerpoint/2012/main" Requires="p15">
+  <mc:AlternateContent xmlns:mc="http://schemas.openxmlformats.org/markup-compatibility/2006" xmlns:p15="http://schemas.microsoft.com/office/powerpoint/2012/main">
+    <mc:Choice Requires="p15">
       <p:transition xmlns:p14="http://schemas.microsoft.com/office/powerpoint/2010/main" spd="slow" p14:dur="2000">
         <p15:prstTrans prst="drape"/>
       </p:transition>
     </mc:Choice>
-    <mc:Fallback>
+    <mc:Fallback xmlns="">
       <p:transition spd="slow">
         <p:fade/>
       </p:transition>
@@ -3873,13 +3878,13 @@
   <p:clrMapOvr>
     <a:masterClrMapping/>
   </p:clrMapOvr>
-  <mc:AlternateContent xmlns:mc="http://schemas.openxmlformats.org/markup-compatibility/2006">
-    <mc:Choice xmlns:p14="http://schemas.microsoft.com/office/powerpoint/2010/main" Requires="p14">
+  <mc:AlternateContent xmlns:mc="http://schemas.openxmlformats.org/markup-compatibility/2006" xmlns:p14="http://schemas.microsoft.com/office/powerpoint/2010/main">
+    <mc:Choice Requires="p14">
       <p:transition spd="slow" p14:dur="3400">
         <p14:reveal/>
       </p:transition>
     </mc:Choice>
-    <mc:Fallback>
+    <mc:Fallback xmlns="">
       <p:transition spd="slow">
         <p:fade/>
       </p:transition>
@@ -3889,6 +3894,803 @@
 </file>
 
 <file path=ppt/slides/slide10.xml><?xml version="1.0" encoding="utf-8"?>
+<p:sld xmlns:a="http://schemas.openxmlformats.org/drawingml/2006/main" xmlns:r="http://schemas.openxmlformats.org/officeDocument/2006/relationships" xmlns:p="http://schemas.openxmlformats.org/presentationml/2006/main">
+  <p:cSld>
+    <p:spTree>
+      <p:nvGrpSpPr>
+        <p:cNvPr id="1" name=""/>
+        <p:cNvGrpSpPr/>
+        <p:nvPr/>
+      </p:nvGrpSpPr>
+      <p:grpSpPr>
+        <a:xfrm>
+          <a:off x="0" y="0"/>
+          <a:ext cx="0" cy="0"/>
+          <a:chOff x="0" y="0"/>
+          <a:chExt cx="0" cy="0"/>
+        </a:xfrm>
+      </p:grpSpPr>
+      <p:sp>
+        <p:nvSpPr>
+          <p:cNvPr id="2" name="Title 1">
+            <a:extLst>
+              <a:ext uri="{FF2B5EF4-FFF2-40B4-BE49-F238E27FC236}">
+                <a16:creationId xmlns:a16="http://schemas.microsoft.com/office/drawing/2014/main" id="{7AE7580F-9458-489D-B0CB-9F65A9146056}"/>
+              </a:ext>
+            </a:extLst>
+          </p:cNvPr>
+          <p:cNvSpPr>
+            <a:spLocks noGrp="1"/>
+          </p:cNvSpPr>
+          <p:nvPr>
+            <p:ph type="title"/>
+          </p:nvPr>
+        </p:nvSpPr>
+        <p:spPr/>
+        <p:txBody>
+          <a:bodyPr/>
+          <a:lstStyle/>
+          <a:p>
+            <a:r>
+              <a:rPr lang="en-US" dirty="0"/>
+              <a:t>Product Class</a:t>
+            </a:r>
+            <a:br>
+              <a:rPr lang="en-US" dirty="0"/>
+            </a:br>
+            <a:endParaRPr lang="en-IN" dirty="0"/>
+          </a:p>
+        </p:txBody>
+      </p:sp>
+      <p:sp>
+        <p:nvSpPr>
+          <p:cNvPr id="3" name="Content Placeholder 2">
+            <a:extLst>
+              <a:ext uri="{FF2B5EF4-FFF2-40B4-BE49-F238E27FC236}">
+                <a16:creationId xmlns:a16="http://schemas.microsoft.com/office/drawing/2014/main" id="{ED27A816-3164-4205-B9E2-922CA286E09C}"/>
+              </a:ext>
+            </a:extLst>
+          </p:cNvPr>
+          <p:cNvSpPr>
+            <a:spLocks noGrp="1"/>
+          </p:cNvSpPr>
+          <p:nvPr>
+            <p:ph idx="1"/>
+          </p:nvPr>
+        </p:nvSpPr>
+        <p:spPr/>
+        <p:txBody>
+          <a:bodyPr/>
+          <a:lstStyle/>
+          <a:p>
+            <a:r>
+              <a:rPr lang="en-US" dirty="0"/>
+              <a:t> Represents a product with attributes such as name, category, price, and quantity.</a:t>
+            </a:r>
+          </a:p>
+          <a:p>
+            <a:r>
+              <a:rPr lang="en-US" dirty="0"/>
+              <a:t> Provides getter and setter methods for each attribute.</a:t>
+            </a:r>
+          </a:p>
+          <a:p>
+            <a:r>
+              <a:rPr lang="en-US" dirty="0"/>
+              <a:t> Includes a `</a:t>
+            </a:r>
+            <a:r>
+              <a:rPr lang="en-US" dirty="0" err="1"/>
+              <a:t>toString</a:t>
+            </a:r>
+            <a:r>
+              <a:rPr lang="en-US" dirty="0"/>
+              <a:t>` method for easy representation of product details.</a:t>
+            </a:r>
+          </a:p>
+          <a:p>
+            <a:endParaRPr lang="en-IN" dirty="0"/>
+          </a:p>
+        </p:txBody>
+      </p:sp>
+    </p:spTree>
+    <p:extLst>
+      <p:ext uri="{BB962C8B-B14F-4D97-AF65-F5344CB8AC3E}">
+        <p14:creationId xmlns:p14="http://schemas.microsoft.com/office/powerpoint/2010/main" val="3521661258"/>
+      </p:ext>
+    </p:extLst>
+  </p:cSld>
+  <p:clrMapOvr>
+    <a:masterClrMapping/>
+  </p:clrMapOvr>
+  <mc:AlternateContent xmlns:mc="http://schemas.openxmlformats.org/markup-compatibility/2006" xmlns:p15="http://schemas.microsoft.com/office/powerpoint/2012/main">
+    <mc:Choice Requires="p15">
+      <p:transition xmlns:p14="http://schemas.microsoft.com/office/powerpoint/2010/main" spd="slow" p14:dur="2000">
+        <p15:prstTrans prst="drape"/>
+      </p:transition>
+    </mc:Choice>
+    <mc:Fallback xmlns="">
+      <p:transition spd="slow">
+        <p:fade/>
+      </p:transition>
+    </mc:Fallback>
+  </mc:AlternateContent>
+</p:sld>
+</file>
+
+<file path=ppt/slides/slide11.xml><?xml version="1.0" encoding="utf-8"?>
+<p:sld xmlns:a="http://schemas.openxmlformats.org/drawingml/2006/main" xmlns:r="http://schemas.openxmlformats.org/officeDocument/2006/relationships" xmlns:p="http://schemas.openxmlformats.org/presentationml/2006/main">
+  <p:cSld>
+    <p:spTree>
+      <p:nvGrpSpPr>
+        <p:cNvPr id="1" name=""/>
+        <p:cNvGrpSpPr/>
+        <p:nvPr/>
+      </p:nvGrpSpPr>
+      <p:grpSpPr>
+        <a:xfrm>
+          <a:off x="0" y="0"/>
+          <a:ext cx="0" cy="0"/>
+          <a:chOff x="0" y="0"/>
+          <a:chExt cx="0" cy="0"/>
+        </a:xfrm>
+      </p:grpSpPr>
+      <p:sp>
+        <p:nvSpPr>
+          <p:cNvPr id="2" name="Title 1">
+            <a:extLst>
+              <a:ext uri="{FF2B5EF4-FFF2-40B4-BE49-F238E27FC236}">
+                <a16:creationId xmlns:a16="http://schemas.microsoft.com/office/drawing/2014/main" id="{7AE7580F-9458-489D-B0CB-9F65A9146056}"/>
+              </a:ext>
+            </a:extLst>
+          </p:cNvPr>
+          <p:cNvSpPr>
+            <a:spLocks noGrp="1"/>
+          </p:cNvSpPr>
+          <p:nvPr>
+            <p:ph type="title"/>
+          </p:nvPr>
+        </p:nvSpPr>
+        <p:spPr/>
+        <p:txBody>
+          <a:bodyPr/>
+          <a:lstStyle/>
+          <a:p>
+            <a:r>
+              <a:rPr lang="en-US" dirty="0" err="1"/>
+              <a:t>ProductCatalog</a:t>
+            </a:r>
+            <a:r>
+              <a:rPr lang="en-US" dirty="0"/>
+              <a:t> Class</a:t>
+            </a:r>
+            <a:endParaRPr lang="en-IN" dirty="0"/>
+          </a:p>
+        </p:txBody>
+      </p:sp>
+      <p:sp>
+        <p:nvSpPr>
+          <p:cNvPr id="3" name="Content Placeholder 2">
+            <a:extLst>
+              <a:ext uri="{FF2B5EF4-FFF2-40B4-BE49-F238E27FC236}">
+                <a16:creationId xmlns:a16="http://schemas.microsoft.com/office/drawing/2014/main" id="{ED27A816-3164-4205-B9E2-922CA286E09C}"/>
+              </a:ext>
+            </a:extLst>
+          </p:cNvPr>
+          <p:cNvSpPr>
+            <a:spLocks noGrp="1"/>
+          </p:cNvSpPr>
+          <p:nvPr>
+            <p:ph idx="1"/>
+          </p:nvPr>
+        </p:nvSpPr>
+        <p:spPr/>
+        <p:txBody>
+          <a:bodyPr/>
+          <a:lstStyle/>
+          <a:p>
+            <a:r>
+              <a:rPr lang="en-US" dirty="0"/>
+              <a:t>Manages a collection of `Product` objects.</a:t>
+            </a:r>
+          </a:p>
+          <a:p>
+            <a:r>
+              <a:rPr lang="en-US" dirty="0"/>
+              <a:t>Provides methods to add, view, search, update, delete, and sort products.</a:t>
+            </a:r>
+          </a:p>
+          <a:p>
+            <a:r>
+              <a:rPr lang="en-US" dirty="0"/>
+              <a:t>Uses file handling to save and load product data to/from a file.</a:t>
+            </a:r>
+          </a:p>
+          <a:p>
+            <a:r>
+              <a:rPr lang="en-US" dirty="0"/>
+              <a:t>Includes a method to check for duplicate products.</a:t>
+            </a:r>
+            <a:endParaRPr lang="en-IN" dirty="0"/>
+          </a:p>
+        </p:txBody>
+      </p:sp>
+    </p:spTree>
+    <p:extLst>
+      <p:ext uri="{BB962C8B-B14F-4D97-AF65-F5344CB8AC3E}">
+        <p14:creationId xmlns:p14="http://schemas.microsoft.com/office/powerpoint/2010/main" val="2298221413"/>
+      </p:ext>
+    </p:extLst>
+  </p:cSld>
+  <p:clrMapOvr>
+    <a:masterClrMapping/>
+  </p:clrMapOvr>
+  <mc:AlternateContent xmlns:mc="http://schemas.openxmlformats.org/markup-compatibility/2006" xmlns:p15="http://schemas.microsoft.com/office/powerpoint/2012/main">
+    <mc:Choice Requires="p15">
+      <p:transition xmlns:p14="http://schemas.microsoft.com/office/powerpoint/2010/main" spd="slow" p14:dur="2000">
+        <p15:prstTrans prst="drape"/>
+      </p:transition>
+    </mc:Choice>
+    <mc:Fallback xmlns="">
+      <p:transition spd="slow">
+        <p:fade/>
+      </p:transition>
+    </mc:Fallback>
+  </mc:AlternateContent>
+</p:sld>
+</file>
+
+<file path=ppt/slides/slide12.xml><?xml version="1.0" encoding="utf-8"?>
+<p:sld xmlns:a="http://schemas.openxmlformats.org/drawingml/2006/main" xmlns:r="http://schemas.openxmlformats.org/officeDocument/2006/relationships" xmlns:p="http://schemas.openxmlformats.org/presentationml/2006/main">
+  <p:cSld>
+    <p:spTree>
+      <p:nvGrpSpPr>
+        <p:cNvPr id="1" name=""/>
+        <p:cNvGrpSpPr/>
+        <p:nvPr/>
+      </p:nvGrpSpPr>
+      <p:grpSpPr>
+        <a:xfrm>
+          <a:off x="0" y="0"/>
+          <a:ext cx="0" cy="0"/>
+          <a:chOff x="0" y="0"/>
+          <a:chExt cx="0" cy="0"/>
+        </a:xfrm>
+      </p:grpSpPr>
+      <p:sp>
+        <p:nvSpPr>
+          <p:cNvPr id="2" name="Title 1">
+            <a:extLst>
+              <a:ext uri="{FF2B5EF4-FFF2-40B4-BE49-F238E27FC236}">
+                <a16:creationId xmlns:a16="http://schemas.microsoft.com/office/drawing/2014/main" id="{7AE7580F-9458-489D-B0CB-9F65A9146056}"/>
+              </a:ext>
+            </a:extLst>
+          </p:cNvPr>
+          <p:cNvSpPr>
+            <a:spLocks noGrp="1"/>
+          </p:cNvSpPr>
+          <p:nvPr>
+            <p:ph type="title"/>
+          </p:nvPr>
+        </p:nvSpPr>
+        <p:spPr/>
+        <p:txBody>
+          <a:bodyPr/>
+          <a:lstStyle/>
+          <a:p>
+            <a:r>
+              <a:rPr lang="en-US" dirty="0" err="1"/>
+              <a:t>ProductCatalogManager</a:t>
+            </a:r>
+            <a:r>
+              <a:rPr lang="en-US" dirty="0"/>
+              <a:t> Class</a:t>
+            </a:r>
+            <a:endParaRPr lang="en-IN" dirty="0"/>
+          </a:p>
+        </p:txBody>
+      </p:sp>
+      <p:sp>
+        <p:nvSpPr>
+          <p:cNvPr id="3" name="Content Placeholder 2">
+            <a:extLst>
+              <a:ext uri="{FF2B5EF4-FFF2-40B4-BE49-F238E27FC236}">
+                <a16:creationId xmlns:a16="http://schemas.microsoft.com/office/drawing/2014/main" id="{ED27A816-3164-4205-B9E2-922CA286E09C}"/>
+              </a:ext>
+            </a:extLst>
+          </p:cNvPr>
+          <p:cNvSpPr>
+            <a:spLocks noGrp="1"/>
+          </p:cNvSpPr>
+          <p:nvPr>
+            <p:ph idx="1"/>
+          </p:nvPr>
+        </p:nvSpPr>
+        <p:spPr/>
+        <p:txBody>
+          <a:bodyPr/>
+          <a:lstStyle/>
+          <a:p>
+            <a:r>
+              <a:rPr lang="en-US" dirty="0"/>
+              <a:t>Provides the main user interface for interacting with the product catalog.</a:t>
+            </a:r>
+          </a:p>
+          <a:p>
+            <a:r>
+              <a:rPr lang="en-US" dirty="0"/>
+              <a:t>Handles user input and directs actions to the `</a:t>
+            </a:r>
+            <a:r>
+              <a:rPr lang="en-US" dirty="0" err="1"/>
+              <a:t>ProductCatalog</a:t>
+            </a:r>
+            <a:r>
+              <a:rPr lang="en-US" dirty="0"/>
+              <a:t>` class.</a:t>
+            </a:r>
+          </a:p>
+          <a:p>
+            <a:r>
+              <a:rPr lang="en-US" dirty="0"/>
+              <a:t>Manages user authentication to ensure only authorized users can access the catalog.</a:t>
+            </a:r>
+          </a:p>
+          <a:p>
+            <a:r>
+              <a:rPr lang="en-US" dirty="0"/>
+              <a:t>Provides methods to display a menu, handle user input, and perform various operations on the catalog.</a:t>
+            </a:r>
+            <a:endParaRPr lang="en-IN" dirty="0"/>
+          </a:p>
+        </p:txBody>
+      </p:sp>
+    </p:spTree>
+    <p:extLst>
+      <p:ext uri="{BB962C8B-B14F-4D97-AF65-F5344CB8AC3E}">
+        <p14:creationId xmlns:p14="http://schemas.microsoft.com/office/powerpoint/2010/main" val="1567029147"/>
+      </p:ext>
+    </p:extLst>
+  </p:cSld>
+  <p:clrMapOvr>
+    <a:masterClrMapping/>
+  </p:clrMapOvr>
+  <mc:AlternateContent xmlns:mc="http://schemas.openxmlformats.org/markup-compatibility/2006" xmlns:p15="http://schemas.microsoft.com/office/powerpoint/2012/main">
+    <mc:Choice Requires="p15">
+      <p:transition xmlns:p14="http://schemas.microsoft.com/office/powerpoint/2010/main" spd="slow" p14:dur="2000">
+        <p15:prstTrans prst="drape"/>
+      </p:transition>
+    </mc:Choice>
+    <mc:Fallback xmlns="">
+      <p:transition spd="slow">
+        <p:fade/>
+      </p:transition>
+    </mc:Fallback>
+  </mc:AlternateContent>
+</p:sld>
+</file>
+
+<file path=ppt/slides/slide13.xml><?xml version="1.0" encoding="utf-8"?>
+<p:sld xmlns:a="http://schemas.openxmlformats.org/drawingml/2006/main" xmlns:r="http://schemas.openxmlformats.org/officeDocument/2006/relationships" xmlns:p="http://schemas.openxmlformats.org/presentationml/2006/main">
+  <p:cSld>
+    <p:spTree>
+      <p:nvGrpSpPr>
+        <p:cNvPr id="1" name=""/>
+        <p:cNvGrpSpPr/>
+        <p:nvPr/>
+      </p:nvGrpSpPr>
+      <p:grpSpPr>
+        <a:xfrm>
+          <a:off x="0" y="0"/>
+          <a:ext cx="0" cy="0"/>
+          <a:chOff x="0" y="0"/>
+          <a:chExt cx="0" cy="0"/>
+        </a:xfrm>
+      </p:grpSpPr>
+      <p:sp>
+        <p:nvSpPr>
+          <p:cNvPr id="2" name="Title 1">
+            <a:extLst>
+              <a:ext uri="{FF2B5EF4-FFF2-40B4-BE49-F238E27FC236}">
+                <a16:creationId xmlns:a16="http://schemas.microsoft.com/office/drawing/2014/main" id="{D5C42805-1C69-4FD0-BA91-A9FDDA371B3B}"/>
+              </a:ext>
+            </a:extLst>
+          </p:cNvPr>
+          <p:cNvSpPr>
+            <a:spLocks noGrp="1"/>
+          </p:cNvSpPr>
+          <p:nvPr>
+            <p:ph type="title"/>
+          </p:nvPr>
+        </p:nvSpPr>
+        <p:spPr>
+          <a:xfrm>
+            <a:off x="1534696" y="804520"/>
+            <a:ext cx="9520158" cy="683622"/>
+          </a:xfrm>
+        </p:spPr>
+        <p:txBody>
+          <a:bodyPr/>
+          <a:lstStyle/>
+          <a:p>
+            <a:r>
+              <a:rPr lang="en-US" dirty="0"/>
+              <a:t>Authentication Flow</a:t>
+            </a:r>
+            <a:endParaRPr lang="en-IN" dirty="0"/>
+          </a:p>
+        </p:txBody>
+      </p:sp>
+      <p:pic>
+        <p:nvPicPr>
+          <p:cNvPr id="5" name="Content Placeholder 4">
+            <a:extLst>
+              <a:ext uri="{FF2B5EF4-FFF2-40B4-BE49-F238E27FC236}">
+                <a16:creationId xmlns:a16="http://schemas.microsoft.com/office/drawing/2014/main" id="{D4BC3EDB-599E-4154-AFBB-FA643F6F55F7}"/>
+              </a:ext>
+            </a:extLst>
+          </p:cNvPr>
+          <p:cNvPicPr>
+            <a:picLocks noGrp="1" noChangeAspect="1"/>
+          </p:cNvPicPr>
+          <p:nvPr>
+            <p:ph idx="1"/>
+          </p:nvPr>
+        </p:nvPicPr>
+        <p:blipFill>
+          <a:blip r:embed="rId2"/>
+          <a:stretch>
+            <a:fillRect/>
+          </a:stretch>
+        </p:blipFill>
+        <p:spPr>
+          <a:xfrm>
+            <a:off x="1739154" y="1666500"/>
+            <a:ext cx="8444752" cy="4386980"/>
+          </a:xfrm>
+        </p:spPr>
+      </p:pic>
+    </p:spTree>
+    <p:extLst>
+      <p:ext uri="{BB962C8B-B14F-4D97-AF65-F5344CB8AC3E}">
+        <p14:creationId xmlns:p14="http://schemas.microsoft.com/office/powerpoint/2010/main" val="1851365449"/>
+      </p:ext>
+    </p:extLst>
+  </p:cSld>
+  <p:clrMapOvr>
+    <a:masterClrMapping/>
+  </p:clrMapOvr>
+  <mc:AlternateContent xmlns:mc="http://schemas.openxmlformats.org/markup-compatibility/2006" xmlns:p15="http://schemas.microsoft.com/office/powerpoint/2012/main">
+    <mc:Choice Requires="p15">
+      <p:transition xmlns:p14="http://schemas.microsoft.com/office/powerpoint/2010/main" spd="slow" p14:dur="2000">
+        <p15:prstTrans prst="drape"/>
+      </p:transition>
+    </mc:Choice>
+    <mc:Fallback xmlns="">
+      <p:transition spd="slow">
+        <p:fade/>
+      </p:transition>
+    </mc:Fallback>
+  </mc:AlternateContent>
+</p:sld>
+</file>
+
+<file path=ppt/slides/slide14.xml><?xml version="1.0" encoding="utf-8"?>
+<p:sld xmlns:a="http://schemas.openxmlformats.org/drawingml/2006/main" xmlns:r="http://schemas.openxmlformats.org/officeDocument/2006/relationships" xmlns:p="http://schemas.openxmlformats.org/presentationml/2006/main">
+  <p:cSld>
+    <p:spTree>
+      <p:nvGrpSpPr>
+        <p:cNvPr id="1" name=""/>
+        <p:cNvGrpSpPr/>
+        <p:nvPr/>
+      </p:nvGrpSpPr>
+      <p:grpSpPr>
+        <a:xfrm>
+          <a:off x="0" y="0"/>
+          <a:ext cx="0" cy="0"/>
+          <a:chOff x="0" y="0"/>
+          <a:chExt cx="0" cy="0"/>
+        </a:xfrm>
+      </p:grpSpPr>
+      <p:sp>
+        <p:nvSpPr>
+          <p:cNvPr id="2" name="Title 1">
+            <a:extLst>
+              <a:ext uri="{FF2B5EF4-FFF2-40B4-BE49-F238E27FC236}">
+                <a16:creationId xmlns:a16="http://schemas.microsoft.com/office/drawing/2014/main" id="{D5C42805-1C69-4FD0-BA91-A9FDDA371B3B}"/>
+              </a:ext>
+            </a:extLst>
+          </p:cNvPr>
+          <p:cNvSpPr>
+            <a:spLocks noGrp="1"/>
+          </p:cNvSpPr>
+          <p:nvPr>
+            <p:ph type="title"/>
+          </p:nvPr>
+        </p:nvSpPr>
+        <p:spPr>
+          <a:xfrm>
+            <a:off x="1534696" y="804520"/>
+            <a:ext cx="9520158" cy="683622"/>
+          </a:xfrm>
+        </p:spPr>
+        <p:txBody>
+          <a:bodyPr/>
+          <a:lstStyle/>
+          <a:p>
+            <a:r>
+              <a:rPr lang="en-US" dirty="0"/>
+              <a:t>Add Product Flow</a:t>
+            </a:r>
+            <a:endParaRPr lang="en-IN" dirty="0"/>
+          </a:p>
+        </p:txBody>
+      </p:sp>
+      <p:pic>
+        <p:nvPicPr>
+          <p:cNvPr id="5" name="Content Placeholder 4">
+            <a:extLst>
+              <a:ext uri="{FF2B5EF4-FFF2-40B4-BE49-F238E27FC236}">
+                <a16:creationId xmlns:a16="http://schemas.microsoft.com/office/drawing/2014/main" id="{D4BC3EDB-599E-4154-AFBB-FA643F6F55F7}"/>
+              </a:ext>
+            </a:extLst>
+          </p:cNvPr>
+          <p:cNvPicPr>
+            <a:picLocks noGrp="1" noChangeAspect="1"/>
+          </p:cNvPicPr>
+          <p:nvPr>
+            <p:ph idx="1"/>
+          </p:nvPr>
+        </p:nvPicPr>
+        <p:blipFill>
+          <a:blip r:embed="rId2"/>
+          <a:stretch>
+            <a:fillRect/>
+          </a:stretch>
+        </p:blipFill>
+        <p:spPr>
+          <a:xfrm>
+            <a:off x="1972235" y="1666500"/>
+            <a:ext cx="8104094" cy="4259171"/>
+          </a:xfrm>
+        </p:spPr>
+      </p:pic>
+    </p:spTree>
+    <p:extLst>
+      <p:ext uri="{BB962C8B-B14F-4D97-AF65-F5344CB8AC3E}">
+        <p14:creationId xmlns:p14="http://schemas.microsoft.com/office/powerpoint/2010/main" val="2567477000"/>
+      </p:ext>
+    </p:extLst>
+  </p:cSld>
+  <p:clrMapOvr>
+    <a:masterClrMapping/>
+  </p:clrMapOvr>
+  <mc:AlternateContent xmlns:mc="http://schemas.openxmlformats.org/markup-compatibility/2006" xmlns:p15="http://schemas.microsoft.com/office/powerpoint/2012/main">
+    <mc:Choice Requires="p15">
+      <p:transition xmlns:p14="http://schemas.microsoft.com/office/powerpoint/2010/main" spd="slow" p14:dur="2000">
+        <p15:prstTrans prst="drape"/>
+      </p:transition>
+    </mc:Choice>
+    <mc:Fallback xmlns="">
+      <p:transition spd="slow">
+        <p:fade/>
+      </p:transition>
+    </mc:Fallback>
+  </mc:AlternateContent>
+</p:sld>
+</file>
+
+<file path=ppt/slides/slide15.xml><?xml version="1.0" encoding="utf-8"?>
+<p:sld xmlns:a="http://schemas.openxmlformats.org/drawingml/2006/main" xmlns:r="http://schemas.openxmlformats.org/officeDocument/2006/relationships" xmlns:p="http://schemas.openxmlformats.org/presentationml/2006/main">
+  <p:cSld>
+    <p:spTree>
+      <p:nvGrpSpPr>
+        <p:cNvPr id="1" name=""/>
+        <p:cNvGrpSpPr/>
+        <p:nvPr/>
+      </p:nvGrpSpPr>
+      <p:grpSpPr>
+        <a:xfrm>
+          <a:off x="0" y="0"/>
+          <a:ext cx="0" cy="0"/>
+          <a:chOff x="0" y="0"/>
+          <a:chExt cx="0" cy="0"/>
+        </a:xfrm>
+      </p:grpSpPr>
+      <p:sp>
+        <p:nvSpPr>
+          <p:cNvPr id="2" name="Title 1">
+            <a:extLst>
+              <a:ext uri="{FF2B5EF4-FFF2-40B4-BE49-F238E27FC236}">
+                <a16:creationId xmlns:a16="http://schemas.microsoft.com/office/drawing/2014/main" id="{D5C42805-1C69-4FD0-BA91-A9FDDA371B3B}"/>
+              </a:ext>
+            </a:extLst>
+          </p:cNvPr>
+          <p:cNvSpPr>
+            <a:spLocks noGrp="1"/>
+          </p:cNvSpPr>
+          <p:nvPr>
+            <p:ph type="title"/>
+          </p:nvPr>
+        </p:nvSpPr>
+        <p:spPr>
+          <a:xfrm>
+            <a:off x="1534696" y="804520"/>
+            <a:ext cx="9520158" cy="683622"/>
+          </a:xfrm>
+        </p:spPr>
+        <p:txBody>
+          <a:bodyPr/>
+          <a:lstStyle/>
+          <a:p>
+            <a:r>
+              <a:rPr lang="en-US" dirty="0"/>
+              <a:t>Update Product Flow</a:t>
+            </a:r>
+            <a:endParaRPr lang="en-IN" dirty="0"/>
+          </a:p>
+        </p:txBody>
+      </p:sp>
+      <p:pic>
+        <p:nvPicPr>
+          <p:cNvPr id="5" name="Content Placeholder 4">
+            <a:extLst>
+              <a:ext uri="{FF2B5EF4-FFF2-40B4-BE49-F238E27FC236}">
+                <a16:creationId xmlns:a16="http://schemas.microsoft.com/office/drawing/2014/main" id="{D4BC3EDB-599E-4154-AFBB-FA643F6F55F7}"/>
+              </a:ext>
+            </a:extLst>
+          </p:cNvPr>
+          <p:cNvPicPr>
+            <a:picLocks noGrp="1" noChangeAspect="1"/>
+          </p:cNvPicPr>
+          <p:nvPr>
+            <p:ph idx="1"/>
+          </p:nvPr>
+        </p:nvPicPr>
+        <p:blipFill>
+          <a:blip r:embed="rId2"/>
+          <a:stretch>
+            <a:fillRect/>
+          </a:stretch>
+        </p:blipFill>
+        <p:spPr>
+          <a:xfrm>
+            <a:off x="2519081" y="1666500"/>
+            <a:ext cx="6633883" cy="4223312"/>
+          </a:xfrm>
+        </p:spPr>
+      </p:pic>
+    </p:spTree>
+    <p:extLst>
+      <p:ext uri="{BB962C8B-B14F-4D97-AF65-F5344CB8AC3E}">
+        <p14:creationId xmlns:p14="http://schemas.microsoft.com/office/powerpoint/2010/main" val="1300478876"/>
+      </p:ext>
+    </p:extLst>
+  </p:cSld>
+  <p:clrMapOvr>
+    <a:masterClrMapping/>
+  </p:clrMapOvr>
+  <mc:AlternateContent xmlns:mc="http://schemas.openxmlformats.org/markup-compatibility/2006" xmlns:p15="http://schemas.microsoft.com/office/powerpoint/2012/main">
+    <mc:Choice Requires="p15">
+      <p:transition xmlns:p14="http://schemas.microsoft.com/office/powerpoint/2010/main" spd="slow" p14:dur="2000">
+        <p15:prstTrans prst="drape"/>
+      </p:transition>
+    </mc:Choice>
+    <mc:Fallback xmlns="">
+      <p:transition spd="slow">
+        <p:fade/>
+      </p:transition>
+    </mc:Fallback>
+  </mc:AlternateContent>
+</p:sld>
+</file>
+
+<file path=ppt/slides/slide16.xml><?xml version="1.0" encoding="utf-8"?>
+<p:sld xmlns:a="http://schemas.openxmlformats.org/drawingml/2006/main" xmlns:r="http://schemas.openxmlformats.org/officeDocument/2006/relationships" xmlns:p="http://schemas.openxmlformats.org/presentationml/2006/main">
+  <p:cSld>
+    <p:spTree>
+      <p:nvGrpSpPr>
+        <p:cNvPr id="1" name=""/>
+        <p:cNvGrpSpPr/>
+        <p:nvPr/>
+      </p:nvGrpSpPr>
+      <p:grpSpPr>
+        <a:xfrm>
+          <a:off x="0" y="0"/>
+          <a:ext cx="0" cy="0"/>
+          <a:chOff x="0" y="0"/>
+          <a:chExt cx="0" cy="0"/>
+        </a:xfrm>
+      </p:grpSpPr>
+      <p:sp>
+        <p:nvSpPr>
+          <p:cNvPr id="2" name="Title 1">
+            <a:extLst>
+              <a:ext uri="{FF2B5EF4-FFF2-40B4-BE49-F238E27FC236}">
+                <a16:creationId xmlns:a16="http://schemas.microsoft.com/office/drawing/2014/main" id="{D5C42805-1C69-4FD0-BA91-A9FDDA371B3B}"/>
+              </a:ext>
+            </a:extLst>
+          </p:cNvPr>
+          <p:cNvSpPr>
+            <a:spLocks noGrp="1"/>
+          </p:cNvSpPr>
+          <p:nvPr>
+            <p:ph type="title"/>
+          </p:nvPr>
+        </p:nvSpPr>
+        <p:spPr>
+          <a:xfrm>
+            <a:off x="1534696" y="804520"/>
+            <a:ext cx="9520158" cy="683622"/>
+          </a:xfrm>
+        </p:spPr>
+        <p:txBody>
+          <a:bodyPr/>
+          <a:lstStyle/>
+          <a:p>
+            <a:r>
+              <a:rPr lang="en-US" dirty="0"/>
+              <a:t>Delete Product Flow</a:t>
+            </a:r>
+            <a:endParaRPr lang="en-IN" dirty="0"/>
+          </a:p>
+        </p:txBody>
+      </p:sp>
+      <p:pic>
+        <p:nvPicPr>
+          <p:cNvPr id="5" name="Content Placeholder 4">
+            <a:extLst>
+              <a:ext uri="{FF2B5EF4-FFF2-40B4-BE49-F238E27FC236}">
+                <a16:creationId xmlns:a16="http://schemas.microsoft.com/office/drawing/2014/main" id="{D4BC3EDB-599E-4154-AFBB-FA643F6F55F7}"/>
+              </a:ext>
+            </a:extLst>
+          </p:cNvPr>
+          <p:cNvPicPr>
+            <a:picLocks noGrp="1" noChangeAspect="1"/>
+          </p:cNvPicPr>
+          <p:nvPr>
+            <p:ph idx="1"/>
+          </p:nvPr>
+        </p:nvPicPr>
+        <p:blipFill>
+          <a:blip r:embed="rId2"/>
+          <a:stretch>
+            <a:fillRect/>
+          </a:stretch>
+        </p:blipFill>
+        <p:spPr>
+          <a:xfrm>
+            <a:off x="3509633" y="1666500"/>
+            <a:ext cx="4569847" cy="4017123"/>
+          </a:xfrm>
+        </p:spPr>
+      </p:pic>
+    </p:spTree>
+    <p:extLst>
+      <p:ext uri="{BB962C8B-B14F-4D97-AF65-F5344CB8AC3E}">
+        <p14:creationId xmlns:p14="http://schemas.microsoft.com/office/powerpoint/2010/main" val="3913478022"/>
+      </p:ext>
+    </p:extLst>
+  </p:cSld>
+  <p:clrMapOvr>
+    <a:masterClrMapping/>
+  </p:clrMapOvr>
+  <mc:AlternateContent xmlns:mc="http://schemas.openxmlformats.org/markup-compatibility/2006" xmlns:p15="http://schemas.microsoft.com/office/powerpoint/2012/main">
+    <mc:Choice Requires="p15">
+      <p:transition xmlns:p14="http://schemas.microsoft.com/office/powerpoint/2010/main" spd="slow" p14:dur="2000">
+        <p15:prstTrans prst="drape"/>
+      </p:transition>
+    </mc:Choice>
+    <mc:Fallback xmlns="">
+      <p:transition spd="slow">
+        <p:fade/>
+      </p:transition>
+    </mc:Fallback>
+  </mc:AlternateContent>
+</p:sld>
+</file>
+
+<file path=ppt/slides/slide17.xml><?xml version="1.0" encoding="utf-8"?>
 <p:sld xmlns:a="http://schemas.openxmlformats.org/drawingml/2006/main" xmlns:r="http://schemas.openxmlformats.org/officeDocument/2006/relationships" xmlns:p="http://schemas.openxmlformats.org/presentationml/2006/main">
   <p:cSld>
     <p:spTree>
@@ -3978,13 +4780,13 @@
   <p:clrMapOvr>
     <a:masterClrMapping/>
   </p:clrMapOvr>
-  <mc:AlternateContent xmlns:mc="http://schemas.openxmlformats.org/markup-compatibility/2006">
-    <mc:Choice xmlns:p15="http://schemas.microsoft.com/office/powerpoint/2012/main" Requires="p15">
+  <mc:AlternateContent xmlns:mc="http://schemas.openxmlformats.org/markup-compatibility/2006" xmlns:p15="http://schemas.microsoft.com/office/powerpoint/2012/main">
+    <mc:Choice Requires="p15">
       <p:transition xmlns:p14="http://schemas.microsoft.com/office/powerpoint/2010/main" spd="slow" p14:dur="2000">
         <p15:prstTrans prst="drape"/>
       </p:transition>
     </mc:Choice>
-    <mc:Fallback>
+    <mc:Fallback xmlns="">
       <p:transition spd="slow">
         <p:fade/>
       </p:transition>
@@ -3993,7 +4795,7 @@
 </p:sld>
 </file>
 
-<file path=ppt/slides/slide11.xml><?xml version="1.0" encoding="utf-8"?>
+<file path=ppt/slides/slide18.xml><?xml version="1.0" encoding="utf-8"?>
 <p:sld xmlns:a="http://schemas.openxmlformats.org/drawingml/2006/main" xmlns:r="http://schemas.openxmlformats.org/officeDocument/2006/relationships" xmlns:p="http://schemas.openxmlformats.org/presentationml/2006/main">
   <p:cSld>
     <p:spTree>
@@ -4083,13 +4885,13 @@
   <p:clrMapOvr>
     <a:masterClrMapping/>
   </p:clrMapOvr>
-  <mc:AlternateContent xmlns:mc="http://schemas.openxmlformats.org/markup-compatibility/2006">
-    <mc:Choice xmlns:p15="http://schemas.microsoft.com/office/powerpoint/2012/main" Requires="p15">
+  <mc:AlternateContent xmlns:mc="http://schemas.openxmlformats.org/markup-compatibility/2006" xmlns:p15="http://schemas.microsoft.com/office/powerpoint/2012/main">
+    <mc:Choice Requires="p15">
       <p:transition xmlns:p14="http://schemas.microsoft.com/office/powerpoint/2010/main" spd="slow" p14:dur="2000">
         <p15:prstTrans prst="drape"/>
       </p:transition>
     </mc:Choice>
-    <mc:Fallback>
+    <mc:Fallback xmlns="">
       <p:transition spd="slow">
         <p:fade/>
       </p:transition>
@@ -4098,589 +4900,7 @@
 </p:sld>
 </file>
 
-<file path=ppt/slides/slide12.xml><?xml version="1.0" encoding="utf-8"?>
-<p:sld xmlns:a="http://schemas.openxmlformats.org/drawingml/2006/main" xmlns:r="http://schemas.openxmlformats.org/officeDocument/2006/relationships" xmlns:p="http://schemas.openxmlformats.org/presentationml/2006/main">
-  <p:cSld>
-    <p:spTree>
-      <p:nvGrpSpPr>
-        <p:cNvPr id="1" name=""/>
-        <p:cNvGrpSpPr/>
-        <p:nvPr/>
-      </p:nvGrpSpPr>
-      <p:grpSpPr>
-        <a:xfrm>
-          <a:off x="0" y="0"/>
-          <a:ext cx="0" cy="0"/>
-          <a:chOff x="0" y="0"/>
-          <a:chExt cx="0" cy="0"/>
-        </a:xfrm>
-      </p:grpSpPr>
-      <p:sp>
-        <p:nvSpPr>
-          <p:cNvPr id="2" name="Title 1">
-            <a:extLst>
-              <a:ext uri="{FF2B5EF4-FFF2-40B4-BE49-F238E27FC236}">
-                <a16:creationId xmlns:a16="http://schemas.microsoft.com/office/drawing/2014/main" id="{D5C42805-1C69-4FD0-BA91-A9FDDA371B3B}"/>
-              </a:ext>
-            </a:extLst>
-          </p:cNvPr>
-          <p:cNvSpPr>
-            <a:spLocks noGrp="1"/>
-          </p:cNvSpPr>
-          <p:nvPr>
-            <p:ph type="title"/>
-          </p:nvPr>
-        </p:nvSpPr>
-        <p:spPr>
-          <a:xfrm>
-            <a:off x="1534696" y="804520"/>
-            <a:ext cx="9520158" cy="683622"/>
-          </a:xfrm>
-        </p:spPr>
-        <p:txBody>
-          <a:bodyPr/>
-          <a:lstStyle/>
-          <a:p>
-            <a:r>
-              <a:rPr lang="en-US" dirty="0"/>
-              <a:t>Class Diagram</a:t>
-            </a:r>
-            <a:endParaRPr lang="en-IN" dirty="0"/>
-          </a:p>
-        </p:txBody>
-      </p:sp>
-      <p:pic>
-        <p:nvPicPr>
-          <p:cNvPr id="5" name="Content Placeholder 4">
-            <a:extLst>
-              <a:ext uri="{FF2B5EF4-FFF2-40B4-BE49-F238E27FC236}">
-                <a16:creationId xmlns:a16="http://schemas.microsoft.com/office/drawing/2014/main" id="{D4BC3EDB-599E-4154-AFBB-FA643F6F55F7}"/>
-              </a:ext>
-            </a:extLst>
-          </p:cNvPr>
-          <p:cNvPicPr>
-            <a:picLocks noGrp="1" noChangeAspect="1"/>
-          </p:cNvPicPr>
-          <p:nvPr>
-            <p:ph idx="1"/>
-          </p:nvPr>
-        </p:nvPicPr>
-        <p:blipFill>
-          <a:blip r:embed="rId2"/>
-          <a:stretch>
-            <a:fillRect/>
-          </a:stretch>
-        </p:blipFill>
-        <p:spPr>
-          <a:xfrm>
-            <a:off x="537882" y="1631576"/>
-            <a:ext cx="11313459" cy="4545105"/>
-          </a:xfrm>
-        </p:spPr>
-      </p:pic>
-    </p:spTree>
-    <p:extLst>
-      <p:ext uri="{BB962C8B-B14F-4D97-AF65-F5344CB8AC3E}">
-        <p14:creationId xmlns:p14="http://schemas.microsoft.com/office/powerpoint/2010/main" val="2712989000"/>
-      </p:ext>
-    </p:extLst>
-  </p:cSld>
-  <p:clrMapOvr>
-    <a:masterClrMapping/>
-  </p:clrMapOvr>
-  <mc:AlternateContent xmlns:mc="http://schemas.openxmlformats.org/markup-compatibility/2006">
-    <mc:Choice xmlns:p15="http://schemas.microsoft.com/office/powerpoint/2012/main" Requires="p15">
-      <p:transition xmlns:p14="http://schemas.microsoft.com/office/powerpoint/2010/main" spd="slow" p14:dur="2000">
-        <p15:prstTrans prst="drape"/>
-      </p:transition>
-    </mc:Choice>
-    <mc:Fallback>
-      <p:transition spd="slow">
-        <p:fade/>
-      </p:transition>
-    </mc:Fallback>
-  </mc:AlternateContent>
-</p:sld>
-</file>
-
-<file path=ppt/slides/slide13.xml><?xml version="1.0" encoding="utf-8"?>
-<p:sld xmlns:a="http://schemas.openxmlformats.org/drawingml/2006/main" xmlns:r="http://schemas.openxmlformats.org/officeDocument/2006/relationships" xmlns:p="http://schemas.openxmlformats.org/presentationml/2006/main">
-  <p:cSld>
-    <p:spTree>
-      <p:nvGrpSpPr>
-        <p:cNvPr id="1" name=""/>
-        <p:cNvGrpSpPr/>
-        <p:nvPr/>
-      </p:nvGrpSpPr>
-      <p:grpSpPr>
-        <a:xfrm>
-          <a:off x="0" y="0"/>
-          <a:ext cx="0" cy="0"/>
-          <a:chOff x="0" y="0"/>
-          <a:chExt cx="0" cy="0"/>
-        </a:xfrm>
-      </p:grpSpPr>
-      <p:sp>
-        <p:nvSpPr>
-          <p:cNvPr id="2" name="Title 1">
-            <a:extLst>
-              <a:ext uri="{FF2B5EF4-FFF2-40B4-BE49-F238E27FC236}">
-                <a16:creationId xmlns:a16="http://schemas.microsoft.com/office/drawing/2014/main" id="{8671E6AF-A599-49A7-94FE-5C2406E9BE8A}"/>
-              </a:ext>
-            </a:extLst>
-          </p:cNvPr>
-          <p:cNvSpPr>
-            <a:spLocks noGrp="1"/>
-          </p:cNvSpPr>
-          <p:nvPr>
-            <p:ph type="title"/>
-          </p:nvPr>
-        </p:nvSpPr>
-        <p:spPr/>
-        <p:txBody>
-          <a:bodyPr/>
-          <a:lstStyle/>
-          <a:p>
-            <a:r>
-              <a:rPr lang="en-US" dirty="0"/>
-              <a:t>Explanation Of Class Diagram</a:t>
-            </a:r>
-            <a:endParaRPr lang="en-IN" dirty="0"/>
-          </a:p>
-        </p:txBody>
-      </p:sp>
-      <p:sp>
-        <p:nvSpPr>
-          <p:cNvPr id="3" name="Content Placeholder 2">
-            <a:extLst>
-              <a:ext uri="{FF2B5EF4-FFF2-40B4-BE49-F238E27FC236}">
-                <a16:creationId xmlns:a16="http://schemas.microsoft.com/office/drawing/2014/main" id="{3AE5BE1D-3483-4CDE-9CD3-5DC1FC73246C}"/>
-              </a:ext>
-            </a:extLst>
-          </p:cNvPr>
-          <p:cNvSpPr>
-            <a:spLocks noGrp="1"/>
-          </p:cNvSpPr>
-          <p:nvPr>
-            <p:ph idx="1"/>
-          </p:nvPr>
-        </p:nvSpPr>
-        <p:spPr/>
-        <p:txBody>
-          <a:bodyPr/>
-          <a:lstStyle/>
-          <a:p>
-            <a:r>
-              <a:rPr lang="en-US" dirty="0"/>
-              <a:t>This class diagram shows the relationships and interactions between the classes, illustrating the structure and functionality of the Product Catalog Management System.</a:t>
-            </a:r>
-            <a:endParaRPr lang="en-IN" dirty="0"/>
-          </a:p>
-        </p:txBody>
-      </p:sp>
-    </p:spTree>
-    <p:extLst>
-      <p:ext uri="{BB962C8B-B14F-4D97-AF65-F5344CB8AC3E}">
-        <p14:creationId xmlns:p14="http://schemas.microsoft.com/office/powerpoint/2010/main" val="2149779927"/>
-      </p:ext>
-    </p:extLst>
-  </p:cSld>
-  <p:clrMapOvr>
-    <a:masterClrMapping/>
-  </p:clrMapOvr>
-  <mc:AlternateContent xmlns:mc="http://schemas.openxmlformats.org/markup-compatibility/2006">
-    <mc:Choice xmlns:p15="http://schemas.microsoft.com/office/powerpoint/2012/main" Requires="p15">
-      <p:transition xmlns:p14="http://schemas.microsoft.com/office/powerpoint/2010/main" spd="slow" p14:dur="2000">
-        <p15:prstTrans prst="drape"/>
-      </p:transition>
-    </mc:Choice>
-    <mc:Fallback>
-      <p:transition spd="slow">
-        <p:fade/>
-      </p:transition>
-    </mc:Fallback>
-  </mc:AlternateContent>
-</p:sld>
-</file>
-
-<file path=ppt/slides/slide14.xml><?xml version="1.0" encoding="utf-8"?>
-<p:sld xmlns:a="http://schemas.openxmlformats.org/drawingml/2006/main" xmlns:r="http://schemas.openxmlformats.org/officeDocument/2006/relationships" xmlns:p="http://schemas.openxmlformats.org/presentationml/2006/main">
-  <p:cSld>
-    <p:spTree>
-      <p:nvGrpSpPr>
-        <p:cNvPr id="1" name=""/>
-        <p:cNvGrpSpPr/>
-        <p:nvPr/>
-      </p:nvGrpSpPr>
-      <p:grpSpPr>
-        <a:xfrm>
-          <a:off x="0" y="0"/>
-          <a:ext cx="0" cy="0"/>
-          <a:chOff x="0" y="0"/>
-          <a:chExt cx="0" cy="0"/>
-        </a:xfrm>
-      </p:grpSpPr>
-      <p:sp>
-        <p:nvSpPr>
-          <p:cNvPr id="2" name="Title 1">
-            <a:extLst>
-              <a:ext uri="{FF2B5EF4-FFF2-40B4-BE49-F238E27FC236}">
-                <a16:creationId xmlns:a16="http://schemas.microsoft.com/office/drawing/2014/main" id="{7AE7580F-9458-489D-B0CB-9F65A9146056}"/>
-              </a:ext>
-            </a:extLst>
-          </p:cNvPr>
-          <p:cNvSpPr>
-            <a:spLocks noGrp="1"/>
-          </p:cNvSpPr>
-          <p:nvPr>
-            <p:ph type="title"/>
-          </p:nvPr>
-        </p:nvSpPr>
-        <p:spPr/>
-        <p:txBody>
-          <a:bodyPr/>
-          <a:lstStyle/>
-          <a:p>
-            <a:r>
-              <a:rPr lang="en-US" dirty="0"/>
-              <a:t>Product Class</a:t>
-            </a:r>
-            <a:br>
-              <a:rPr lang="en-US" dirty="0"/>
-            </a:br>
-            <a:endParaRPr lang="en-IN" dirty="0"/>
-          </a:p>
-        </p:txBody>
-      </p:sp>
-      <p:sp>
-        <p:nvSpPr>
-          <p:cNvPr id="3" name="Content Placeholder 2">
-            <a:extLst>
-              <a:ext uri="{FF2B5EF4-FFF2-40B4-BE49-F238E27FC236}">
-                <a16:creationId xmlns:a16="http://schemas.microsoft.com/office/drawing/2014/main" id="{ED27A816-3164-4205-B9E2-922CA286E09C}"/>
-              </a:ext>
-            </a:extLst>
-          </p:cNvPr>
-          <p:cNvSpPr>
-            <a:spLocks noGrp="1"/>
-          </p:cNvSpPr>
-          <p:nvPr>
-            <p:ph idx="1"/>
-          </p:nvPr>
-        </p:nvSpPr>
-        <p:spPr/>
-        <p:txBody>
-          <a:bodyPr/>
-          <a:lstStyle/>
-          <a:p>
-            <a:r>
-              <a:rPr lang="en-US" dirty="0"/>
-              <a:t> Represents a product with attributes such as name, category, price, and quantity.</a:t>
-            </a:r>
-          </a:p>
-          <a:p>
-            <a:r>
-              <a:rPr lang="en-US" dirty="0"/>
-              <a:t> Provides getter and setter methods for each attribute.</a:t>
-            </a:r>
-          </a:p>
-          <a:p>
-            <a:r>
-              <a:rPr lang="en-US" dirty="0"/>
-              <a:t> Includes a `</a:t>
-            </a:r>
-            <a:r>
-              <a:rPr lang="en-US" dirty="0" err="1"/>
-              <a:t>toString</a:t>
-            </a:r>
-            <a:r>
-              <a:rPr lang="en-US" dirty="0"/>
-              <a:t>` method for easy representation of product details.</a:t>
-            </a:r>
-          </a:p>
-          <a:p>
-            <a:endParaRPr lang="en-IN" dirty="0"/>
-          </a:p>
-        </p:txBody>
-      </p:sp>
-    </p:spTree>
-    <p:extLst>
-      <p:ext uri="{BB962C8B-B14F-4D97-AF65-F5344CB8AC3E}">
-        <p14:creationId xmlns:p14="http://schemas.microsoft.com/office/powerpoint/2010/main" val="3521661258"/>
-      </p:ext>
-    </p:extLst>
-  </p:cSld>
-  <p:clrMapOvr>
-    <a:masterClrMapping/>
-  </p:clrMapOvr>
-  <mc:AlternateContent xmlns:mc="http://schemas.openxmlformats.org/markup-compatibility/2006">
-    <mc:Choice xmlns:p15="http://schemas.microsoft.com/office/powerpoint/2012/main" Requires="p15">
-      <p:transition xmlns:p14="http://schemas.microsoft.com/office/powerpoint/2010/main" spd="slow" p14:dur="2000">
-        <p15:prstTrans prst="drape"/>
-      </p:transition>
-    </mc:Choice>
-    <mc:Fallback>
-      <p:transition spd="slow">
-        <p:fade/>
-      </p:transition>
-    </mc:Fallback>
-  </mc:AlternateContent>
-</p:sld>
-</file>
-
-<file path=ppt/slides/slide15.xml><?xml version="1.0" encoding="utf-8"?>
-<p:sld xmlns:a="http://schemas.openxmlformats.org/drawingml/2006/main" xmlns:r="http://schemas.openxmlformats.org/officeDocument/2006/relationships" xmlns:p="http://schemas.openxmlformats.org/presentationml/2006/main">
-  <p:cSld>
-    <p:spTree>
-      <p:nvGrpSpPr>
-        <p:cNvPr id="1" name=""/>
-        <p:cNvGrpSpPr/>
-        <p:nvPr/>
-      </p:nvGrpSpPr>
-      <p:grpSpPr>
-        <a:xfrm>
-          <a:off x="0" y="0"/>
-          <a:ext cx="0" cy="0"/>
-          <a:chOff x="0" y="0"/>
-          <a:chExt cx="0" cy="0"/>
-        </a:xfrm>
-      </p:grpSpPr>
-      <p:sp>
-        <p:nvSpPr>
-          <p:cNvPr id="2" name="Title 1">
-            <a:extLst>
-              <a:ext uri="{FF2B5EF4-FFF2-40B4-BE49-F238E27FC236}">
-                <a16:creationId xmlns:a16="http://schemas.microsoft.com/office/drawing/2014/main" id="{7AE7580F-9458-489D-B0CB-9F65A9146056}"/>
-              </a:ext>
-            </a:extLst>
-          </p:cNvPr>
-          <p:cNvSpPr>
-            <a:spLocks noGrp="1"/>
-          </p:cNvSpPr>
-          <p:nvPr>
-            <p:ph type="title"/>
-          </p:nvPr>
-        </p:nvSpPr>
-        <p:spPr/>
-        <p:txBody>
-          <a:bodyPr/>
-          <a:lstStyle/>
-          <a:p>
-            <a:r>
-              <a:rPr lang="en-US" dirty="0" err="1"/>
-              <a:t>ProductCatalog</a:t>
-            </a:r>
-            <a:r>
-              <a:rPr lang="en-US" dirty="0"/>
-              <a:t> Class</a:t>
-            </a:r>
-            <a:endParaRPr lang="en-IN" dirty="0"/>
-          </a:p>
-        </p:txBody>
-      </p:sp>
-      <p:sp>
-        <p:nvSpPr>
-          <p:cNvPr id="3" name="Content Placeholder 2">
-            <a:extLst>
-              <a:ext uri="{FF2B5EF4-FFF2-40B4-BE49-F238E27FC236}">
-                <a16:creationId xmlns:a16="http://schemas.microsoft.com/office/drawing/2014/main" id="{ED27A816-3164-4205-B9E2-922CA286E09C}"/>
-              </a:ext>
-            </a:extLst>
-          </p:cNvPr>
-          <p:cNvSpPr>
-            <a:spLocks noGrp="1"/>
-          </p:cNvSpPr>
-          <p:nvPr>
-            <p:ph idx="1"/>
-          </p:nvPr>
-        </p:nvSpPr>
-        <p:spPr/>
-        <p:txBody>
-          <a:bodyPr/>
-          <a:lstStyle/>
-          <a:p>
-            <a:r>
-              <a:rPr lang="en-US" dirty="0"/>
-              <a:t>Manages a collection of `Product` objects.</a:t>
-            </a:r>
-          </a:p>
-          <a:p>
-            <a:r>
-              <a:rPr lang="en-US" dirty="0"/>
-              <a:t>Provides methods to add, view, search, update, delete, and sort products.</a:t>
-            </a:r>
-          </a:p>
-          <a:p>
-            <a:r>
-              <a:rPr lang="en-US" dirty="0"/>
-              <a:t>Uses file handling to save and load product data to/from a file.</a:t>
-            </a:r>
-          </a:p>
-          <a:p>
-            <a:r>
-              <a:rPr lang="en-US" dirty="0"/>
-              <a:t>Includes a method to check for duplicate products.</a:t>
-            </a:r>
-            <a:endParaRPr lang="en-IN" dirty="0"/>
-          </a:p>
-        </p:txBody>
-      </p:sp>
-    </p:spTree>
-    <p:extLst>
-      <p:ext uri="{BB962C8B-B14F-4D97-AF65-F5344CB8AC3E}">
-        <p14:creationId xmlns:p14="http://schemas.microsoft.com/office/powerpoint/2010/main" val="2298221413"/>
-      </p:ext>
-    </p:extLst>
-  </p:cSld>
-  <p:clrMapOvr>
-    <a:masterClrMapping/>
-  </p:clrMapOvr>
-  <mc:AlternateContent xmlns:mc="http://schemas.openxmlformats.org/markup-compatibility/2006">
-    <mc:Choice xmlns:p15="http://schemas.microsoft.com/office/powerpoint/2012/main" Requires="p15">
-      <p:transition xmlns:p14="http://schemas.microsoft.com/office/powerpoint/2010/main" spd="slow" p14:dur="2000">
-        <p15:prstTrans prst="drape"/>
-      </p:transition>
-    </mc:Choice>
-    <mc:Fallback>
-      <p:transition spd="slow">
-        <p:fade/>
-      </p:transition>
-    </mc:Fallback>
-  </mc:AlternateContent>
-</p:sld>
-</file>
-
-<file path=ppt/slides/slide16.xml><?xml version="1.0" encoding="utf-8"?>
-<p:sld xmlns:a="http://schemas.openxmlformats.org/drawingml/2006/main" xmlns:r="http://schemas.openxmlformats.org/officeDocument/2006/relationships" xmlns:p="http://schemas.openxmlformats.org/presentationml/2006/main">
-  <p:cSld>
-    <p:spTree>
-      <p:nvGrpSpPr>
-        <p:cNvPr id="1" name=""/>
-        <p:cNvGrpSpPr/>
-        <p:nvPr/>
-      </p:nvGrpSpPr>
-      <p:grpSpPr>
-        <a:xfrm>
-          <a:off x="0" y="0"/>
-          <a:ext cx="0" cy="0"/>
-          <a:chOff x="0" y="0"/>
-          <a:chExt cx="0" cy="0"/>
-        </a:xfrm>
-      </p:grpSpPr>
-      <p:sp>
-        <p:nvSpPr>
-          <p:cNvPr id="2" name="Title 1">
-            <a:extLst>
-              <a:ext uri="{FF2B5EF4-FFF2-40B4-BE49-F238E27FC236}">
-                <a16:creationId xmlns:a16="http://schemas.microsoft.com/office/drawing/2014/main" id="{7AE7580F-9458-489D-B0CB-9F65A9146056}"/>
-              </a:ext>
-            </a:extLst>
-          </p:cNvPr>
-          <p:cNvSpPr>
-            <a:spLocks noGrp="1"/>
-          </p:cNvSpPr>
-          <p:nvPr>
-            <p:ph type="title"/>
-          </p:nvPr>
-        </p:nvSpPr>
-        <p:spPr/>
-        <p:txBody>
-          <a:bodyPr/>
-          <a:lstStyle/>
-          <a:p>
-            <a:r>
-              <a:rPr lang="en-US" dirty="0" err="1"/>
-              <a:t>ProductCatalogManager</a:t>
-            </a:r>
-            <a:r>
-              <a:rPr lang="en-US" dirty="0"/>
-              <a:t> Class</a:t>
-            </a:r>
-            <a:endParaRPr lang="en-IN" dirty="0"/>
-          </a:p>
-        </p:txBody>
-      </p:sp>
-      <p:sp>
-        <p:nvSpPr>
-          <p:cNvPr id="3" name="Content Placeholder 2">
-            <a:extLst>
-              <a:ext uri="{FF2B5EF4-FFF2-40B4-BE49-F238E27FC236}">
-                <a16:creationId xmlns:a16="http://schemas.microsoft.com/office/drawing/2014/main" id="{ED27A816-3164-4205-B9E2-922CA286E09C}"/>
-              </a:ext>
-            </a:extLst>
-          </p:cNvPr>
-          <p:cNvSpPr>
-            <a:spLocks noGrp="1"/>
-          </p:cNvSpPr>
-          <p:nvPr>
-            <p:ph idx="1"/>
-          </p:nvPr>
-        </p:nvSpPr>
-        <p:spPr/>
-        <p:txBody>
-          <a:bodyPr/>
-          <a:lstStyle/>
-          <a:p>
-            <a:r>
-              <a:rPr lang="en-US" dirty="0"/>
-              <a:t>Provides the main user interface for interacting with the product catalog.</a:t>
-            </a:r>
-          </a:p>
-          <a:p>
-            <a:r>
-              <a:rPr lang="en-US" dirty="0"/>
-              <a:t>Handles user input and directs actions to the `</a:t>
-            </a:r>
-            <a:r>
-              <a:rPr lang="en-US" dirty="0" err="1"/>
-              <a:t>ProductCatalog</a:t>
-            </a:r>
-            <a:r>
-              <a:rPr lang="en-US" dirty="0"/>
-              <a:t>` class.</a:t>
-            </a:r>
-          </a:p>
-          <a:p>
-            <a:r>
-              <a:rPr lang="en-US" dirty="0"/>
-              <a:t>Manages user authentication to ensure only authorized users can access the catalog.</a:t>
-            </a:r>
-          </a:p>
-          <a:p>
-            <a:r>
-              <a:rPr lang="en-US" dirty="0"/>
-              <a:t>Provides methods to display a menu, handle user input, and perform various operations on the catalog.</a:t>
-            </a:r>
-            <a:endParaRPr lang="en-IN" dirty="0"/>
-          </a:p>
-        </p:txBody>
-      </p:sp>
-    </p:spTree>
-    <p:extLst>
-      <p:ext uri="{BB962C8B-B14F-4D97-AF65-F5344CB8AC3E}">
-        <p14:creationId xmlns:p14="http://schemas.microsoft.com/office/powerpoint/2010/main" val="1567029147"/>
-      </p:ext>
-    </p:extLst>
-  </p:cSld>
-  <p:clrMapOvr>
-    <a:masterClrMapping/>
-  </p:clrMapOvr>
-  <mc:AlternateContent xmlns:mc="http://schemas.openxmlformats.org/markup-compatibility/2006">
-    <mc:Choice xmlns:p15="http://schemas.microsoft.com/office/powerpoint/2012/main" Requires="p15">
-      <p:transition xmlns:p14="http://schemas.microsoft.com/office/powerpoint/2010/main" spd="slow" p14:dur="2000">
-        <p15:prstTrans prst="drape"/>
-      </p:transition>
-    </mc:Choice>
-    <mc:Fallback>
-      <p:transition spd="slow">
-        <p:fade/>
-      </p:transition>
-    </mc:Fallback>
-  </mc:AlternateContent>
-</p:sld>
-</file>
-
-<file path=ppt/slides/slide17.xml><?xml version="1.0" encoding="utf-8"?>
+<file path=ppt/slides/slide19.xml><?xml version="1.0" encoding="utf-8"?>
 <p:sld xmlns:a="http://schemas.openxmlformats.org/drawingml/2006/main" xmlns:r="http://schemas.openxmlformats.org/officeDocument/2006/relationships" xmlns:p="http://schemas.openxmlformats.org/presentationml/2006/main">
   <p:cSld>
     <p:spTree>
@@ -4888,219 +5108,13 @@
   <p:clrMapOvr>
     <a:masterClrMapping/>
   </p:clrMapOvr>
-  <mc:AlternateContent xmlns:mc="http://schemas.openxmlformats.org/markup-compatibility/2006">
-    <mc:Choice xmlns:p15="http://schemas.microsoft.com/office/powerpoint/2012/main" Requires="p15">
+  <mc:AlternateContent xmlns:mc="http://schemas.openxmlformats.org/markup-compatibility/2006" xmlns:p15="http://schemas.microsoft.com/office/powerpoint/2012/main">
+    <mc:Choice Requires="p15">
       <p:transition xmlns:p14="http://schemas.microsoft.com/office/powerpoint/2010/main" spd="slow" p14:dur="2000">
         <p15:prstTrans prst="drape"/>
       </p:transition>
     </mc:Choice>
-    <mc:Fallback>
-      <p:transition spd="slow">
-        <p:fade/>
-      </p:transition>
-    </mc:Fallback>
-  </mc:AlternateContent>
-</p:sld>
-</file>
-
-<file path=ppt/slides/slide18.xml><?xml version="1.0" encoding="utf-8"?>
-<p:sld xmlns:a="http://schemas.openxmlformats.org/drawingml/2006/main" xmlns:r="http://schemas.openxmlformats.org/officeDocument/2006/relationships" xmlns:p="http://schemas.openxmlformats.org/presentationml/2006/main">
-  <p:cSld>
-    <p:spTree>
-      <p:nvGrpSpPr>
-        <p:cNvPr id="1" name=""/>
-        <p:cNvGrpSpPr/>
-        <p:nvPr/>
-      </p:nvGrpSpPr>
-      <p:grpSpPr>
-        <a:xfrm>
-          <a:off x="0" y="0"/>
-          <a:ext cx="0" cy="0"/>
-          <a:chOff x="0" y="0"/>
-          <a:chExt cx="0" cy="0"/>
-        </a:xfrm>
-      </p:grpSpPr>
-      <p:sp>
-        <p:nvSpPr>
-          <p:cNvPr id="10" name="Title 9">
-            <a:extLst>
-              <a:ext uri="{FF2B5EF4-FFF2-40B4-BE49-F238E27FC236}">
-                <a16:creationId xmlns:a16="http://schemas.microsoft.com/office/drawing/2014/main" id="{BBB0FE19-A88E-4E03-B3FA-848EC66965EF}"/>
-              </a:ext>
-            </a:extLst>
-          </p:cNvPr>
-          <p:cNvSpPr>
-            <a:spLocks noGrp="1"/>
-          </p:cNvSpPr>
-          <p:nvPr>
-            <p:ph type="title"/>
-          </p:nvPr>
-        </p:nvSpPr>
-        <p:spPr/>
-        <p:txBody>
-          <a:bodyPr/>
-          <a:lstStyle/>
-          <a:p>
-            <a:r>
-              <a:rPr lang="en-US" dirty="0"/>
-              <a:t>Sample I/O  (Add Product)</a:t>
-            </a:r>
-            <a:endParaRPr lang="en-IN" dirty="0"/>
-          </a:p>
-        </p:txBody>
-      </p:sp>
-      <p:pic>
-        <p:nvPicPr>
-          <p:cNvPr id="12" name="Content Placeholder 11">
-            <a:extLst>
-              <a:ext uri="{FF2B5EF4-FFF2-40B4-BE49-F238E27FC236}">
-                <a16:creationId xmlns:a16="http://schemas.microsoft.com/office/drawing/2014/main" id="{82112FD0-A4B9-4B96-A5A5-DA6C4079AB64}"/>
-              </a:ext>
-            </a:extLst>
-          </p:cNvPr>
-          <p:cNvPicPr>
-            <a:picLocks noGrp="1" noChangeAspect="1"/>
-          </p:cNvPicPr>
-          <p:nvPr>
-            <p:ph idx="1"/>
-          </p:nvPr>
-        </p:nvPicPr>
-        <p:blipFill>
-          <a:blip r:embed="rId2"/>
-          <a:stretch>
-            <a:fillRect/>
-          </a:stretch>
-        </p:blipFill>
-        <p:spPr>
-          <a:xfrm>
-            <a:off x="3227294" y="2527025"/>
-            <a:ext cx="5333438" cy="2197846"/>
-          </a:xfrm>
-          <a:prstGeom prst="rect">
-            <a:avLst/>
-          </a:prstGeom>
-        </p:spPr>
-      </p:pic>
-    </p:spTree>
-    <p:extLst>
-      <p:ext uri="{BB962C8B-B14F-4D97-AF65-F5344CB8AC3E}">
-        <p14:creationId xmlns:p14="http://schemas.microsoft.com/office/powerpoint/2010/main" val="1753647392"/>
-      </p:ext>
-    </p:extLst>
-  </p:cSld>
-  <p:clrMapOvr>
-    <a:masterClrMapping/>
-  </p:clrMapOvr>
-  <mc:AlternateContent xmlns:mc="http://schemas.openxmlformats.org/markup-compatibility/2006">
-    <mc:Choice xmlns:p15="http://schemas.microsoft.com/office/powerpoint/2012/main" Requires="p15">
-      <p:transition xmlns:p14="http://schemas.microsoft.com/office/powerpoint/2010/main" spd="slow" p14:dur="2000">
-        <p15:prstTrans prst="drape"/>
-      </p:transition>
-    </mc:Choice>
-    <mc:Fallback>
-      <p:transition spd="slow">
-        <p:fade/>
-      </p:transition>
-    </mc:Fallback>
-  </mc:AlternateContent>
-</p:sld>
-</file>
-
-<file path=ppt/slides/slide19.xml><?xml version="1.0" encoding="utf-8"?>
-<p:sld xmlns:a="http://schemas.openxmlformats.org/drawingml/2006/main" xmlns:r="http://schemas.openxmlformats.org/officeDocument/2006/relationships" xmlns:p="http://schemas.openxmlformats.org/presentationml/2006/main">
-  <p:cSld>
-    <p:spTree>
-      <p:nvGrpSpPr>
-        <p:cNvPr id="1" name=""/>
-        <p:cNvGrpSpPr/>
-        <p:nvPr/>
-      </p:nvGrpSpPr>
-      <p:grpSpPr>
-        <a:xfrm>
-          <a:off x="0" y="0"/>
-          <a:ext cx="0" cy="0"/>
-          <a:chOff x="0" y="0"/>
-          <a:chExt cx="0" cy="0"/>
-        </a:xfrm>
-      </p:grpSpPr>
-      <p:sp>
-        <p:nvSpPr>
-          <p:cNvPr id="10" name="Title 9">
-            <a:extLst>
-              <a:ext uri="{FF2B5EF4-FFF2-40B4-BE49-F238E27FC236}">
-                <a16:creationId xmlns:a16="http://schemas.microsoft.com/office/drawing/2014/main" id="{BBB0FE19-A88E-4E03-B3FA-848EC66965EF}"/>
-              </a:ext>
-            </a:extLst>
-          </p:cNvPr>
-          <p:cNvSpPr>
-            <a:spLocks noGrp="1"/>
-          </p:cNvSpPr>
-          <p:nvPr>
-            <p:ph type="title"/>
-          </p:nvPr>
-        </p:nvSpPr>
-        <p:spPr/>
-        <p:txBody>
-          <a:bodyPr/>
-          <a:lstStyle/>
-          <a:p>
-            <a:r>
-              <a:rPr lang="en-US" dirty="0"/>
-              <a:t>Sample I/O  (View Product)</a:t>
-            </a:r>
-            <a:endParaRPr lang="en-IN" dirty="0"/>
-          </a:p>
-        </p:txBody>
-      </p:sp>
-      <p:pic>
-        <p:nvPicPr>
-          <p:cNvPr id="12" name="Content Placeholder 11">
-            <a:extLst>
-              <a:ext uri="{FF2B5EF4-FFF2-40B4-BE49-F238E27FC236}">
-                <a16:creationId xmlns:a16="http://schemas.microsoft.com/office/drawing/2014/main" id="{82112FD0-A4B9-4B96-A5A5-DA6C4079AB64}"/>
-              </a:ext>
-            </a:extLst>
-          </p:cNvPr>
-          <p:cNvPicPr>
-            <a:picLocks noGrp="1" noChangeAspect="1"/>
-          </p:cNvPicPr>
-          <p:nvPr>
-            <p:ph idx="1"/>
-          </p:nvPr>
-        </p:nvPicPr>
-        <p:blipFill>
-          <a:blip r:embed="rId2"/>
-          <a:stretch>
-            <a:fillRect/>
-          </a:stretch>
-        </p:blipFill>
-        <p:spPr>
-          <a:xfrm>
-            <a:off x="2985248" y="2490169"/>
-            <a:ext cx="5754778" cy="2243195"/>
-          </a:xfrm>
-          <a:prstGeom prst="rect">
-            <a:avLst/>
-          </a:prstGeom>
-        </p:spPr>
-      </p:pic>
-    </p:spTree>
-    <p:extLst>
-      <p:ext uri="{BB962C8B-B14F-4D97-AF65-F5344CB8AC3E}">
-        <p14:creationId xmlns:p14="http://schemas.microsoft.com/office/powerpoint/2010/main" val="3696431673"/>
-      </p:ext>
-    </p:extLst>
-  </p:cSld>
-  <p:clrMapOvr>
-    <a:masterClrMapping/>
-  </p:clrMapOvr>
-  <mc:AlternateContent xmlns:mc="http://schemas.openxmlformats.org/markup-compatibility/2006">
-    <mc:Choice xmlns:p15="http://schemas.microsoft.com/office/powerpoint/2012/main" Requires="p15">
-      <p:transition xmlns:p14="http://schemas.microsoft.com/office/powerpoint/2010/main" spd="slow" p14:dur="2000">
-        <p15:prstTrans prst="drape"/>
-      </p:transition>
-    </mc:Choice>
-    <mc:Fallback>
+    <mc:Fallback xmlns="">
       <p:transition spd="slow">
         <p:fade/>
       </p:transition>
@@ -5176,14 +5190,14 @@
             <p:ph idx="1"/>
             <p:extLst>
               <p:ext uri="{D42A27DB-BD31-4B8C-83A1-F6EECF244321}">
-                <p14:modId xmlns:p14="http://schemas.microsoft.com/office/powerpoint/2010/main" val="1636263512"/>
+                <p14:modId xmlns:p14="http://schemas.microsoft.com/office/powerpoint/2010/main" val="3454245719"/>
               </p:ext>
             </p:extLst>
           </p:nvPr>
         </p:nvGraphicFramePr>
         <p:xfrm>
-          <a:off x="1535113" y="2016125"/>
-          <a:ext cx="9520236" cy="3132636"/>
+          <a:off x="1085803" y="2016125"/>
+          <a:ext cx="10020394" cy="3006124"/>
         </p:xfrm>
         <a:graphic>
           <a:graphicData uri="http://schemas.openxmlformats.org/drawingml/2006/table">
@@ -5192,28 +5206,28 @@
                 <a:tableStyleId>{5C22544A-7EE6-4342-B048-85BDC9FD1C3A}</a:tableStyleId>
               </a:tblPr>
               <a:tblGrid>
-                <a:gridCol w="1745969">
+                <a:gridCol w="1837696">
                   <a:extLst>
                     <a:ext uri="{9D8B030D-6E8A-4147-A177-3AD203B41FA5}">
                       <a16:colId xmlns:a16="http://schemas.microsoft.com/office/drawing/2014/main" val="2340246635"/>
                     </a:ext>
                   </a:extLst>
                 </a:gridCol>
-                <a:gridCol w="2196353">
+                <a:gridCol w="2311741">
                   <a:extLst>
                     <a:ext uri="{9D8B030D-6E8A-4147-A177-3AD203B41FA5}">
                       <a16:colId xmlns:a16="http://schemas.microsoft.com/office/drawing/2014/main" val="560200146"/>
                     </a:ext>
                   </a:extLst>
                 </a:gridCol>
-                <a:gridCol w="3263153">
+                <a:gridCol w="2985395">
                   <a:extLst>
                     <a:ext uri="{9D8B030D-6E8A-4147-A177-3AD203B41FA5}">
                       <a16:colId xmlns:a16="http://schemas.microsoft.com/office/drawing/2014/main" val="412472314"/>
                     </a:ext>
                   </a:extLst>
                 </a:gridCol>
-                <a:gridCol w="2314761">
+                <a:gridCol w="2885562">
                   <a:extLst>
                     <a:ext uri="{9D8B030D-6E8A-4147-A177-3AD203B41FA5}">
                       <a16:colId xmlns:a16="http://schemas.microsoft.com/office/drawing/2014/main" val="541931728"/>
@@ -5389,7 +5403,7 @@
                       </a:pPr>
                       <a:r>
                         <a:rPr lang="en-US" dirty="0"/>
-                        <a:t>       Mavericks</a:t>
+                        <a:t>       PSA</a:t>
                       </a:r>
                       <a:endParaRPr lang="en-IN" dirty="0"/>
                     </a:p>
@@ -5477,7 +5491,7 @@
                       </a:r>
                       <a:r>
                         <a:rPr lang="en-IN" dirty="0"/>
-                        <a:t> Handling</a:t>
+                        <a:t> Handling(.dat file)</a:t>
                       </a:r>
                     </a:p>
                     <a:p>
@@ -5493,7 +5507,16 @@
                         <a:rPr lang="en-IN" dirty="0"/>
                         <a:t> Application</a:t>
                       </a:r>
-                      <a:endParaRPr lang="en-US" dirty="0"/>
+                    </a:p>
+                    <a:p>
+                      <a:pPr marL="285750" indent="-285750">
+                        <a:buFontTx/>
+                        <a:buChar char="-"/>
+                      </a:pPr>
+                      <a:r>
+                        <a:rPr lang="en-US" dirty="0"/>
+                        <a:t>Error Handling</a:t>
+                      </a:r>
                     </a:p>
                   </a:txBody>
                   <a:tcPr/>
@@ -5632,13 +5655,13 @@
   <p:clrMapOvr>
     <a:masterClrMapping/>
   </p:clrMapOvr>
-  <mc:AlternateContent xmlns:mc="http://schemas.openxmlformats.org/markup-compatibility/2006">
-    <mc:Choice xmlns:p15="http://schemas.microsoft.com/office/powerpoint/2012/main" Requires="p15">
+  <mc:AlternateContent xmlns:mc="http://schemas.openxmlformats.org/markup-compatibility/2006" xmlns:p15="http://schemas.microsoft.com/office/powerpoint/2012/main">
+    <mc:Choice Requires="p15">
       <p:transition xmlns:p14="http://schemas.microsoft.com/office/powerpoint/2010/main" spd="slow" p14:dur="1250">
         <p15:prstTrans prst="pageCurlDouble"/>
       </p:transition>
     </mc:Choice>
-    <mc:Fallback>
+    <mc:Fallback xmlns="">
       <p:transition spd="slow">
         <p:fade/>
       </p:transition>
@@ -5648,6 +5671,212 @@
 </file>
 
 <file path=ppt/slides/slide20.xml><?xml version="1.0" encoding="utf-8"?>
+<p:sld xmlns:a="http://schemas.openxmlformats.org/drawingml/2006/main" xmlns:r="http://schemas.openxmlformats.org/officeDocument/2006/relationships" xmlns:p="http://schemas.openxmlformats.org/presentationml/2006/main">
+  <p:cSld>
+    <p:spTree>
+      <p:nvGrpSpPr>
+        <p:cNvPr id="1" name=""/>
+        <p:cNvGrpSpPr/>
+        <p:nvPr/>
+      </p:nvGrpSpPr>
+      <p:grpSpPr>
+        <a:xfrm>
+          <a:off x="0" y="0"/>
+          <a:ext cx="0" cy="0"/>
+          <a:chOff x="0" y="0"/>
+          <a:chExt cx="0" cy="0"/>
+        </a:xfrm>
+      </p:grpSpPr>
+      <p:sp>
+        <p:nvSpPr>
+          <p:cNvPr id="10" name="Title 9">
+            <a:extLst>
+              <a:ext uri="{FF2B5EF4-FFF2-40B4-BE49-F238E27FC236}">
+                <a16:creationId xmlns:a16="http://schemas.microsoft.com/office/drawing/2014/main" id="{BBB0FE19-A88E-4E03-B3FA-848EC66965EF}"/>
+              </a:ext>
+            </a:extLst>
+          </p:cNvPr>
+          <p:cNvSpPr>
+            <a:spLocks noGrp="1"/>
+          </p:cNvSpPr>
+          <p:nvPr>
+            <p:ph type="title"/>
+          </p:nvPr>
+        </p:nvSpPr>
+        <p:spPr/>
+        <p:txBody>
+          <a:bodyPr/>
+          <a:lstStyle/>
+          <a:p>
+            <a:r>
+              <a:rPr lang="en-US" dirty="0"/>
+              <a:t>Sample I/O  (Add Product)</a:t>
+            </a:r>
+            <a:endParaRPr lang="en-IN" dirty="0"/>
+          </a:p>
+        </p:txBody>
+      </p:sp>
+      <p:pic>
+        <p:nvPicPr>
+          <p:cNvPr id="12" name="Content Placeholder 11">
+            <a:extLst>
+              <a:ext uri="{FF2B5EF4-FFF2-40B4-BE49-F238E27FC236}">
+                <a16:creationId xmlns:a16="http://schemas.microsoft.com/office/drawing/2014/main" id="{82112FD0-A4B9-4B96-A5A5-DA6C4079AB64}"/>
+              </a:ext>
+            </a:extLst>
+          </p:cNvPr>
+          <p:cNvPicPr>
+            <a:picLocks noGrp="1" noChangeAspect="1"/>
+          </p:cNvPicPr>
+          <p:nvPr>
+            <p:ph idx="1"/>
+          </p:nvPr>
+        </p:nvPicPr>
+        <p:blipFill>
+          <a:blip r:embed="rId2"/>
+          <a:stretch>
+            <a:fillRect/>
+          </a:stretch>
+        </p:blipFill>
+        <p:spPr>
+          <a:xfrm>
+            <a:off x="3227294" y="2527025"/>
+            <a:ext cx="5333438" cy="2197846"/>
+          </a:xfrm>
+          <a:prstGeom prst="rect">
+            <a:avLst/>
+          </a:prstGeom>
+        </p:spPr>
+      </p:pic>
+    </p:spTree>
+    <p:extLst>
+      <p:ext uri="{BB962C8B-B14F-4D97-AF65-F5344CB8AC3E}">
+        <p14:creationId xmlns:p14="http://schemas.microsoft.com/office/powerpoint/2010/main" val="1753647392"/>
+      </p:ext>
+    </p:extLst>
+  </p:cSld>
+  <p:clrMapOvr>
+    <a:masterClrMapping/>
+  </p:clrMapOvr>
+  <mc:AlternateContent xmlns:mc="http://schemas.openxmlformats.org/markup-compatibility/2006" xmlns:p15="http://schemas.microsoft.com/office/powerpoint/2012/main">
+    <mc:Choice Requires="p15">
+      <p:transition xmlns:p14="http://schemas.microsoft.com/office/powerpoint/2010/main" spd="slow" p14:dur="2000">
+        <p15:prstTrans prst="drape"/>
+      </p:transition>
+    </mc:Choice>
+    <mc:Fallback xmlns="">
+      <p:transition spd="slow">
+        <p:fade/>
+      </p:transition>
+    </mc:Fallback>
+  </mc:AlternateContent>
+</p:sld>
+</file>
+
+<file path=ppt/slides/slide21.xml><?xml version="1.0" encoding="utf-8"?>
+<p:sld xmlns:a="http://schemas.openxmlformats.org/drawingml/2006/main" xmlns:r="http://schemas.openxmlformats.org/officeDocument/2006/relationships" xmlns:p="http://schemas.openxmlformats.org/presentationml/2006/main">
+  <p:cSld>
+    <p:spTree>
+      <p:nvGrpSpPr>
+        <p:cNvPr id="1" name=""/>
+        <p:cNvGrpSpPr/>
+        <p:nvPr/>
+      </p:nvGrpSpPr>
+      <p:grpSpPr>
+        <a:xfrm>
+          <a:off x="0" y="0"/>
+          <a:ext cx="0" cy="0"/>
+          <a:chOff x="0" y="0"/>
+          <a:chExt cx="0" cy="0"/>
+        </a:xfrm>
+      </p:grpSpPr>
+      <p:sp>
+        <p:nvSpPr>
+          <p:cNvPr id="10" name="Title 9">
+            <a:extLst>
+              <a:ext uri="{FF2B5EF4-FFF2-40B4-BE49-F238E27FC236}">
+                <a16:creationId xmlns:a16="http://schemas.microsoft.com/office/drawing/2014/main" id="{BBB0FE19-A88E-4E03-B3FA-848EC66965EF}"/>
+              </a:ext>
+            </a:extLst>
+          </p:cNvPr>
+          <p:cNvSpPr>
+            <a:spLocks noGrp="1"/>
+          </p:cNvSpPr>
+          <p:nvPr>
+            <p:ph type="title"/>
+          </p:nvPr>
+        </p:nvSpPr>
+        <p:spPr/>
+        <p:txBody>
+          <a:bodyPr/>
+          <a:lstStyle/>
+          <a:p>
+            <a:r>
+              <a:rPr lang="en-US" dirty="0"/>
+              <a:t>Sample I/O  (View Product)</a:t>
+            </a:r>
+            <a:endParaRPr lang="en-IN" dirty="0"/>
+          </a:p>
+        </p:txBody>
+      </p:sp>
+      <p:pic>
+        <p:nvPicPr>
+          <p:cNvPr id="12" name="Content Placeholder 11">
+            <a:extLst>
+              <a:ext uri="{FF2B5EF4-FFF2-40B4-BE49-F238E27FC236}">
+                <a16:creationId xmlns:a16="http://schemas.microsoft.com/office/drawing/2014/main" id="{82112FD0-A4B9-4B96-A5A5-DA6C4079AB64}"/>
+              </a:ext>
+            </a:extLst>
+          </p:cNvPr>
+          <p:cNvPicPr>
+            <a:picLocks noGrp="1" noChangeAspect="1"/>
+          </p:cNvPicPr>
+          <p:nvPr>
+            <p:ph idx="1"/>
+          </p:nvPr>
+        </p:nvPicPr>
+        <p:blipFill>
+          <a:blip r:embed="rId2"/>
+          <a:stretch>
+            <a:fillRect/>
+          </a:stretch>
+        </p:blipFill>
+        <p:spPr>
+          <a:xfrm>
+            <a:off x="2985248" y="2490169"/>
+            <a:ext cx="5754778" cy="2243195"/>
+          </a:xfrm>
+          <a:prstGeom prst="rect">
+            <a:avLst/>
+          </a:prstGeom>
+        </p:spPr>
+      </p:pic>
+    </p:spTree>
+    <p:extLst>
+      <p:ext uri="{BB962C8B-B14F-4D97-AF65-F5344CB8AC3E}">
+        <p14:creationId xmlns:p14="http://schemas.microsoft.com/office/powerpoint/2010/main" val="3696431673"/>
+      </p:ext>
+    </p:extLst>
+  </p:cSld>
+  <p:clrMapOvr>
+    <a:masterClrMapping/>
+  </p:clrMapOvr>
+  <mc:AlternateContent xmlns:mc="http://schemas.openxmlformats.org/markup-compatibility/2006" xmlns:p15="http://schemas.microsoft.com/office/powerpoint/2012/main">
+    <mc:Choice Requires="p15">
+      <p:transition xmlns:p14="http://schemas.microsoft.com/office/powerpoint/2010/main" spd="slow" p14:dur="2000">
+        <p15:prstTrans prst="drape"/>
+      </p:transition>
+    </mc:Choice>
+    <mc:Fallback xmlns="">
+      <p:transition spd="slow">
+        <p:fade/>
+      </p:transition>
+    </mc:Fallback>
+  </mc:AlternateContent>
+</p:sld>
+</file>
+
+<file path=ppt/slides/slide22.xml><?xml version="1.0" encoding="utf-8"?>
 <p:sld xmlns:a="http://schemas.openxmlformats.org/drawingml/2006/main" xmlns:r="http://schemas.openxmlformats.org/officeDocument/2006/relationships" xmlns:p="http://schemas.openxmlformats.org/presentationml/2006/main">
   <p:cSld>
     <p:spTree>
@@ -5825,13 +6054,13 @@
   <p:clrMapOvr>
     <a:masterClrMapping/>
   </p:clrMapOvr>
-  <mc:AlternateContent xmlns:mc="http://schemas.openxmlformats.org/markup-compatibility/2006">
-    <mc:Choice xmlns:p15="http://schemas.microsoft.com/office/powerpoint/2012/main" Requires="p15">
+  <mc:AlternateContent xmlns:mc="http://schemas.openxmlformats.org/markup-compatibility/2006" xmlns:p15="http://schemas.microsoft.com/office/powerpoint/2012/main">
+    <mc:Choice Requires="p15">
       <p:transition xmlns:p14="http://schemas.microsoft.com/office/powerpoint/2010/main" spd="slow" p14:dur="2000">
         <p15:prstTrans prst="drape"/>
       </p:transition>
     </mc:Choice>
-    <mc:Fallback>
+    <mc:Fallback xmlns="">
       <p:transition spd="slow">
         <p:fade/>
       </p:transition>
@@ -5840,7 +6069,7 @@
 </p:sld>
 </file>
 
-<file path=ppt/slides/slide21.xml><?xml version="1.0" encoding="utf-8"?>
+<file path=ppt/slides/slide23.xml><?xml version="1.0" encoding="utf-8"?>
 <p:sld xmlns:a="http://schemas.openxmlformats.org/drawingml/2006/main" xmlns:r="http://schemas.openxmlformats.org/officeDocument/2006/relationships" xmlns:p="http://schemas.openxmlformats.org/presentationml/2006/main">
   <p:cSld>
     <p:spTree>
@@ -5958,13 +6187,13 @@
   <p:clrMapOvr>
     <a:masterClrMapping/>
   </p:clrMapOvr>
-  <mc:AlternateContent xmlns:mc="http://schemas.openxmlformats.org/markup-compatibility/2006">
-    <mc:Choice xmlns:p15="http://schemas.microsoft.com/office/powerpoint/2012/main" Requires="p15">
+  <mc:AlternateContent xmlns:mc="http://schemas.openxmlformats.org/markup-compatibility/2006" xmlns:p15="http://schemas.microsoft.com/office/powerpoint/2012/main">
+    <mc:Choice Requires="p15">
       <p:transition xmlns:p14="http://schemas.microsoft.com/office/powerpoint/2010/main" spd="slow" p14:dur="2000">
         <p15:prstTrans prst="drape"/>
       </p:transition>
     </mc:Choice>
-    <mc:Fallback>
+    <mc:Fallback xmlns="">
       <p:transition spd="slow">
         <p:fade/>
       </p:transition>
@@ -5973,7 +6202,7 @@
 </p:sld>
 </file>
 
-<file path=ppt/slides/slide22.xml><?xml version="1.0" encoding="utf-8"?>
+<file path=ppt/slides/slide24.xml><?xml version="1.0" encoding="utf-8"?>
 <p:sld xmlns:a="http://schemas.openxmlformats.org/drawingml/2006/main" xmlns:r="http://schemas.openxmlformats.org/officeDocument/2006/relationships" xmlns:p="http://schemas.openxmlformats.org/presentationml/2006/main">
   <p:cSld>
     <p:spTree>
@@ -6091,13 +6320,13 @@
   <p:clrMapOvr>
     <a:masterClrMapping/>
   </p:clrMapOvr>
-  <mc:AlternateContent xmlns:mc="http://schemas.openxmlformats.org/markup-compatibility/2006">
-    <mc:Choice xmlns:p15="http://schemas.microsoft.com/office/powerpoint/2012/main" Requires="p15">
+  <mc:AlternateContent xmlns:mc="http://schemas.openxmlformats.org/markup-compatibility/2006" xmlns:p15="http://schemas.microsoft.com/office/powerpoint/2012/main">
+    <mc:Choice Requires="p15">
       <p:transition xmlns:p14="http://schemas.microsoft.com/office/powerpoint/2010/main" spd="slow" p14:dur="2000">
         <p15:prstTrans prst="drape"/>
       </p:transition>
     </mc:Choice>
-    <mc:Fallback>
+    <mc:Fallback xmlns="">
       <p:transition spd="slow">
         <p:fade/>
       </p:transition>
@@ -6106,7 +6335,7 @@
 </p:sld>
 </file>
 
-<file path=ppt/slides/slide23.xml><?xml version="1.0" encoding="utf-8"?>
+<file path=ppt/slides/slide25.xml><?xml version="1.0" encoding="utf-8"?>
 <p:sld xmlns:a="http://schemas.openxmlformats.org/drawingml/2006/main" xmlns:r="http://schemas.openxmlformats.org/officeDocument/2006/relationships" xmlns:p="http://schemas.openxmlformats.org/presentationml/2006/main">
   <p:cSld>
     <p:spTree>
@@ -6194,13 +6423,13 @@
   <p:clrMapOvr>
     <a:masterClrMapping/>
   </p:clrMapOvr>
-  <mc:AlternateContent xmlns:mc="http://schemas.openxmlformats.org/markup-compatibility/2006">
-    <mc:Choice xmlns:p15="http://schemas.microsoft.com/office/powerpoint/2012/main" Requires="p15">
+  <mc:AlternateContent xmlns:mc="http://schemas.openxmlformats.org/markup-compatibility/2006" xmlns:p15="http://schemas.microsoft.com/office/powerpoint/2012/main">
+    <mc:Choice Requires="p15">
       <p:transition xmlns:p14="http://schemas.microsoft.com/office/powerpoint/2010/main" spd="slow" p14:dur="2000">
         <p15:prstTrans prst="drape"/>
       </p:transition>
     </mc:Choice>
-    <mc:Fallback>
+    <mc:Fallback xmlns="">
       <p:transition spd="slow">
         <p:fade/>
       </p:transition>
@@ -6209,7 +6438,7 @@
 </p:sld>
 </file>
 
-<file path=ppt/slides/slide24.xml><?xml version="1.0" encoding="utf-8"?>
+<file path=ppt/slides/slide26.xml><?xml version="1.0" encoding="utf-8"?>
 <p:sld xmlns:a="http://schemas.openxmlformats.org/drawingml/2006/main" xmlns:r="http://schemas.openxmlformats.org/officeDocument/2006/relationships" xmlns:p="http://schemas.openxmlformats.org/presentationml/2006/main">
   <p:cSld>
     <p:spTree>
@@ -6297,13 +6526,13 @@
   <p:clrMapOvr>
     <a:masterClrMapping/>
   </p:clrMapOvr>
-  <mc:AlternateContent xmlns:mc="http://schemas.openxmlformats.org/markup-compatibility/2006">
-    <mc:Choice xmlns:p15="http://schemas.microsoft.com/office/powerpoint/2012/main" Requires="p15">
+  <mc:AlternateContent xmlns:mc="http://schemas.openxmlformats.org/markup-compatibility/2006" xmlns:p15="http://schemas.microsoft.com/office/powerpoint/2012/main">
+    <mc:Choice Requires="p15">
       <p:transition xmlns:p14="http://schemas.microsoft.com/office/powerpoint/2010/main" spd="slow" p14:dur="2000">
         <p15:prstTrans prst="drape"/>
       </p:transition>
     </mc:Choice>
-    <mc:Fallback>
+    <mc:Fallback xmlns="">
       <p:transition spd="slow">
         <p:fade/>
       </p:transition>
@@ -6312,7 +6541,7 @@
 </p:sld>
 </file>
 
-<file path=ppt/slides/slide25.xml><?xml version="1.0" encoding="utf-8"?>
+<file path=ppt/slides/slide27.xml><?xml version="1.0" encoding="utf-8"?>
 <p:sld xmlns:a="http://schemas.openxmlformats.org/drawingml/2006/main" xmlns:r="http://schemas.openxmlformats.org/officeDocument/2006/relationships" xmlns:p="http://schemas.openxmlformats.org/presentationml/2006/main">
   <p:cSld>
     <p:spTree>
@@ -6400,13 +6629,13 @@
   <p:clrMapOvr>
     <a:masterClrMapping/>
   </p:clrMapOvr>
-  <mc:AlternateContent xmlns:mc="http://schemas.openxmlformats.org/markup-compatibility/2006">
-    <mc:Choice xmlns:p15="http://schemas.microsoft.com/office/powerpoint/2012/main" Requires="p15">
+  <mc:AlternateContent xmlns:mc="http://schemas.openxmlformats.org/markup-compatibility/2006" xmlns:p15="http://schemas.microsoft.com/office/powerpoint/2012/main">
+    <mc:Choice Requires="p15">
       <p:transition xmlns:p14="http://schemas.microsoft.com/office/powerpoint/2010/main" spd="slow" p14:dur="2000">
         <p15:prstTrans prst="drape"/>
       </p:transition>
     </mc:Choice>
-    <mc:Fallback>
+    <mc:Fallback xmlns="">
       <p:transition spd="slow">
         <p:fade/>
       </p:transition>
@@ -6415,7 +6644,7 @@
 </p:sld>
 </file>
 
-<file path=ppt/slides/slide26.xml><?xml version="1.0" encoding="utf-8"?>
+<file path=ppt/slides/slide28.xml><?xml version="1.0" encoding="utf-8"?>
 <p:sld xmlns:a="http://schemas.openxmlformats.org/drawingml/2006/main" xmlns:r="http://schemas.openxmlformats.org/officeDocument/2006/relationships" xmlns:p="http://schemas.openxmlformats.org/presentationml/2006/main">
   <p:cSld>
     <p:spTree>
@@ -6503,13 +6732,13 @@
   <p:clrMapOvr>
     <a:masterClrMapping/>
   </p:clrMapOvr>
-  <mc:AlternateContent xmlns:mc="http://schemas.openxmlformats.org/markup-compatibility/2006">
-    <mc:Choice xmlns:p15="http://schemas.microsoft.com/office/powerpoint/2012/main" Requires="p15">
+  <mc:AlternateContent xmlns:mc="http://schemas.openxmlformats.org/markup-compatibility/2006" xmlns:p15="http://schemas.microsoft.com/office/powerpoint/2012/main">
+    <mc:Choice Requires="p15">
       <p:transition xmlns:p14="http://schemas.microsoft.com/office/powerpoint/2010/main" spd="slow" p14:dur="2000">
         <p15:prstTrans prst="drape"/>
       </p:transition>
     </mc:Choice>
-    <mc:Fallback>
+    <mc:Fallback xmlns="">
       <p:transition spd="slow">
         <p:fade/>
       </p:transition>
@@ -6518,7 +6747,7 @@
 </p:sld>
 </file>
 
-<file path=ppt/slides/slide27.xml><?xml version="1.0" encoding="utf-8"?>
+<file path=ppt/slides/slide29.xml><?xml version="1.0" encoding="utf-8"?>
 <p:sld xmlns:a="http://schemas.openxmlformats.org/drawingml/2006/main" xmlns:r="http://schemas.openxmlformats.org/officeDocument/2006/relationships" xmlns:p="http://schemas.openxmlformats.org/presentationml/2006/main">
   <p:cSld>
     <p:spTree>
@@ -6606,13 +6835,13 @@
   <p:clrMapOvr>
     <a:masterClrMapping/>
   </p:clrMapOvr>
-  <mc:AlternateContent xmlns:mc="http://schemas.openxmlformats.org/markup-compatibility/2006">
-    <mc:Choice xmlns:p15="http://schemas.microsoft.com/office/powerpoint/2012/main" Requires="p15">
+  <mc:AlternateContent xmlns:mc="http://schemas.openxmlformats.org/markup-compatibility/2006" xmlns:p15="http://schemas.microsoft.com/office/powerpoint/2012/main">
+    <mc:Choice Requires="p15">
       <p:transition xmlns:p14="http://schemas.microsoft.com/office/powerpoint/2010/main" spd="slow" p14:dur="2000">
         <p15:prstTrans prst="drape"/>
       </p:transition>
     </mc:Choice>
-    <mc:Fallback>
+    <mc:Fallback xmlns="">
       <p:transition spd="slow">
         <p:fade/>
       </p:transition>
@@ -6621,7 +6850,124 @@
 </p:sld>
 </file>
 
-<file path=ppt/slides/slide28.xml><?xml version="1.0" encoding="utf-8"?>
+<file path=ppt/slides/slide3.xml><?xml version="1.0" encoding="utf-8"?>
+<p:sld xmlns:a="http://schemas.openxmlformats.org/drawingml/2006/main" xmlns:r="http://schemas.openxmlformats.org/officeDocument/2006/relationships" xmlns:p="http://schemas.openxmlformats.org/presentationml/2006/main">
+  <p:cSld>
+    <p:spTree>
+      <p:nvGrpSpPr>
+        <p:cNvPr id="1" name=""/>
+        <p:cNvGrpSpPr/>
+        <p:nvPr/>
+      </p:nvGrpSpPr>
+      <p:grpSpPr>
+        <a:xfrm>
+          <a:off x="0" y="0"/>
+          <a:ext cx="0" cy="0"/>
+          <a:chOff x="0" y="0"/>
+          <a:chExt cx="0" cy="0"/>
+        </a:xfrm>
+      </p:grpSpPr>
+      <p:sp>
+        <p:nvSpPr>
+          <p:cNvPr id="2" name="Title 1">
+            <a:extLst>
+              <a:ext uri="{FF2B5EF4-FFF2-40B4-BE49-F238E27FC236}">
+                <a16:creationId xmlns:a16="http://schemas.microsoft.com/office/drawing/2014/main" id="{D5C42805-1C69-4FD0-BA91-A9FDDA371B3B}"/>
+              </a:ext>
+            </a:extLst>
+          </p:cNvPr>
+          <p:cNvSpPr>
+            <a:spLocks noGrp="1"/>
+          </p:cNvSpPr>
+          <p:nvPr>
+            <p:ph type="title"/>
+          </p:nvPr>
+        </p:nvSpPr>
+        <p:spPr/>
+        <p:txBody>
+          <a:bodyPr/>
+          <a:lstStyle/>
+          <a:p>
+            <a:r>
+              <a:rPr lang="en-IN" dirty="0"/>
+              <a:t>Introduction</a:t>
+            </a:r>
+          </a:p>
+        </p:txBody>
+      </p:sp>
+      <p:sp>
+        <p:nvSpPr>
+          <p:cNvPr id="3" name="Content Placeholder 2">
+            <a:extLst>
+              <a:ext uri="{FF2B5EF4-FFF2-40B4-BE49-F238E27FC236}">
+                <a16:creationId xmlns:a16="http://schemas.microsoft.com/office/drawing/2014/main" id="{F9EECFC2-37B0-4939-A16C-2D27EEDA76AA}"/>
+              </a:ext>
+            </a:extLst>
+          </p:cNvPr>
+          <p:cNvSpPr>
+            <a:spLocks noGrp="1"/>
+          </p:cNvSpPr>
+          <p:nvPr>
+            <p:ph idx="1"/>
+          </p:nvPr>
+        </p:nvSpPr>
+        <p:spPr/>
+        <p:txBody>
+          <a:bodyPr>
+            <a:normAutofit lnSpcReduction="10000"/>
+          </a:bodyPr>
+          <a:lstStyle/>
+          <a:p>
+            <a:r>
+              <a:rPr lang="en-US" dirty="0"/>
+              <a:t>The </a:t>
+            </a:r>
+            <a:r>
+              <a:rPr lang="en-US" b="1" dirty="0"/>
+              <a:t>Product Catalog Management System</a:t>
+            </a:r>
+            <a:r>
+              <a:rPr lang="en-US" dirty="0"/>
+              <a:t> is a console-based application developed in Core Java, designed to handle the management of a product inventory. It leverages file handling, console I/O, error handling, sorting and purchase simulation techniques to provide a robust solution for maintaining and organizing products.</a:t>
+            </a:r>
+          </a:p>
+          <a:p>
+            <a:r>
+              <a:rPr lang="en-US" dirty="0"/>
+              <a:t>This project ensures that product data is stored persistently in a file, enabling data retrieval even after the program is restarted. It features a simple and intuitive workflow with user authentication to restrict access to authorized users only.</a:t>
+            </a:r>
+          </a:p>
+          <a:p>
+            <a:endParaRPr lang="en-IN" dirty="0"/>
+          </a:p>
+        </p:txBody>
+      </p:sp>
+    </p:spTree>
+    <p:extLst>
+      <p:ext uri="{BB962C8B-B14F-4D97-AF65-F5344CB8AC3E}">
+        <p14:creationId xmlns:p14="http://schemas.microsoft.com/office/powerpoint/2010/main" val="3457115410"/>
+      </p:ext>
+    </p:extLst>
+  </p:cSld>
+  <p:clrMapOvr>
+    <a:masterClrMapping/>
+  </p:clrMapOvr>
+  <mc:AlternateContent xmlns:mc="http://schemas.openxmlformats.org/markup-compatibility/2006" xmlns:p15="http://schemas.microsoft.com/office/powerpoint/2012/main">
+    <mc:Choice Requires="p15">
+      <p:transition xmlns:p14="http://schemas.microsoft.com/office/powerpoint/2010/main" spd="slow" p14:dur="2000">
+        <p15:prstTrans prst="drape"/>
+      </p:transition>
+    </mc:Choice>
+    <mc:Fallback xmlns="">
+      <p:transition spd="slow">
+        <p:fade/>
+      </p:transition>
+    </mc:Fallback>
+  </mc:AlternateContent>
+</p:sld>
+</file>
+
+<file path=ppt/slides/slide30.xml><?xml version="1.0" encoding="utf-8"?>
 <p:sld xmlns:a="http://schemas.openxmlformats.org/drawingml/2006/main" xmlns:r="http://schemas.openxmlformats.org/officeDocument/2006/relationships" xmlns:p="http://schemas.openxmlformats.org/presentationml/2006/main">
   <p:cSld>
     <p:spTree>
@@ -6829,13 +7175,13 @@
   <p:clrMapOvr>
     <a:masterClrMapping/>
   </p:clrMapOvr>
-  <mc:AlternateContent xmlns:mc="http://schemas.openxmlformats.org/markup-compatibility/2006">
-    <mc:Choice xmlns:p15="http://schemas.microsoft.com/office/powerpoint/2012/main" Requires="p15">
+  <mc:AlternateContent xmlns:mc="http://schemas.openxmlformats.org/markup-compatibility/2006" xmlns:p15="http://schemas.microsoft.com/office/powerpoint/2012/main">
+    <mc:Choice Requires="p15">
       <p:transition xmlns:p14="http://schemas.microsoft.com/office/powerpoint/2010/main" spd="slow" p14:dur="2000">
         <p15:prstTrans prst="drape"/>
       </p:transition>
     </mc:Choice>
-    <mc:Fallback>
+    <mc:Fallback xmlns="">
       <p:transition spd="slow">
         <p:fade/>
       </p:transition>
@@ -6844,7 +7190,7 @@
 </p:sld>
 </file>
 
-<file path=ppt/slides/slide29.xml><?xml version="1.0" encoding="utf-8"?>
+<file path=ppt/slides/slide31.xml><?xml version="1.0" encoding="utf-8"?>
 <p:sld xmlns:a="http://schemas.openxmlformats.org/drawingml/2006/main" xmlns:r="http://schemas.openxmlformats.org/officeDocument/2006/relationships" xmlns:p="http://schemas.openxmlformats.org/presentationml/2006/main">
   <p:cSld>
     <p:spTree>
@@ -7052,418 +7398,13 @@
   <p:clrMapOvr>
     <a:masterClrMapping/>
   </p:clrMapOvr>
-  <mc:AlternateContent xmlns:mc="http://schemas.openxmlformats.org/markup-compatibility/2006">
-    <mc:Choice xmlns:p15="http://schemas.microsoft.com/office/powerpoint/2012/main" Requires="p15">
+  <mc:AlternateContent xmlns:mc="http://schemas.openxmlformats.org/markup-compatibility/2006" xmlns:p15="http://schemas.microsoft.com/office/powerpoint/2012/main">
+    <mc:Choice Requires="p15">
       <p:transition xmlns:p14="http://schemas.microsoft.com/office/powerpoint/2010/main" spd="slow" p14:dur="2000">
         <p15:prstTrans prst="drape"/>
       </p:transition>
     </mc:Choice>
-    <mc:Fallback>
-      <p:transition spd="slow">
-        <p:fade/>
-      </p:transition>
-    </mc:Fallback>
-  </mc:AlternateContent>
-</p:sld>
-</file>
-
-<file path=ppt/slides/slide3.xml><?xml version="1.0" encoding="utf-8"?>
-<p:sld xmlns:a="http://schemas.openxmlformats.org/drawingml/2006/main" xmlns:r="http://schemas.openxmlformats.org/officeDocument/2006/relationships" xmlns:p="http://schemas.openxmlformats.org/presentationml/2006/main">
-  <p:cSld>
-    <p:spTree>
-      <p:nvGrpSpPr>
-        <p:cNvPr id="1" name=""/>
-        <p:cNvGrpSpPr/>
-        <p:nvPr/>
-      </p:nvGrpSpPr>
-      <p:grpSpPr>
-        <a:xfrm>
-          <a:off x="0" y="0"/>
-          <a:ext cx="0" cy="0"/>
-          <a:chOff x="0" y="0"/>
-          <a:chExt cx="0" cy="0"/>
-        </a:xfrm>
-      </p:grpSpPr>
-      <p:sp>
-        <p:nvSpPr>
-          <p:cNvPr id="2" name="Title 1">
-            <a:extLst>
-              <a:ext uri="{FF2B5EF4-FFF2-40B4-BE49-F238E27FC236}">
-                <a16:creationId xmlns:a16="http://schemas.microsoft.com/office/drawing/2014/main" id="{D5C42805-1C69-4FD0-BA91-A9FDDA371B3B}"/>
-              </a:ext>
-            </a:extLst>
-          </p:cNvPr>
-          <p:cNvSpPr>
-            <a:spLocks noGrp="1"/>
-          </p:cNvSpPr>
-          <p:nvPr>
-            <p:ph type="title"/>
-          </p:nvPr>
-        </p:nvSpPr>
-        <p:spPr/>
-        <p:txBody>
-          <a:bodyPr/>
-          <a:lstStyle/>
-          <a:p>
-            <a:r>
-              <a:rPr lang="en-IN" dirty="0"/>
-              <a:t>Introduction</a:t>
-            </a:r>
-          </a:p>
-        </p:txBody>
-      </p:sp>
-      <p:sp>
-        <p:nvSpPr>
-          <p:cNvPr id="3" name="Content Placeholder 2">
-            <a:extLst>
-              <a:ext uri="{FF2B5EF4-FFF2-40B4-BE49-F238E27FC236}">
-                <a16:creationId xmlns:a16="http://schemas.microsoft.com/office/drawing/2014/main" id="{F9EECFC2-37B0-4939-A16C-2D27EEDA76AA}"/>
-              </a:ext>
-            </a:extLst>
-          </p:cNvPr>
-          <p:cNvSpPr>
-            <a:spLocks noGrp="1"/>
-          </p:cNvSpPr>
-          <p:nvPr>
-            <p:ph idx="1"/>
-          </p:nvPr>
-        </p:nvSpPr>
-        <p:spPr/>
-        <p:txBody>
-          <a:bodyPr>
-            <a:normAutofit lnSpcReduction="10000"/>
-          </a:bodyPr>
-          <a:lstStyle/>
-          <a:p>
-            <a:r>
-              <a:rPr lang="en-US" dirty="0"/>
-              <a:t>The </a:t>
-            </a:r>
-            <a:r>
-              <a:rPr lang="en-US" b="1" dirty="0"/>
-              <a:t>Product Catalog Management System</a:t>
-            </a:r>
-            <a:r>
-              <a:rPr lang="en-US" dirty="0"/>
-              <a:t> is a console-based application developed in Core Java, designed to handle the management of a product inventory. It leverages file handling, console I/O, error handling, and sorting techniques to provide a robust solution for maintaining and organizing products.</a:t>
-            </a:r>
-          </a:p>
-          <a:p>
-            <a:r>
-              <a:rPr lang="en-US" dirty="0"/>
-              <a:t>This project ensures that product data is stored persistently in a file, enabling data retrieval even after the program is restarted. It features a simple and intuitive workflow with user authentication to restrict access to authorized users only.</a:t>
-            </a:r>
-          </a:p>
-          <a:p>
-            <a:endParaRPr lang="en-IN" dirty="0"/>
-          </a:p>
-        </p:txBody>
-      </p:sp>
-    </p:spTree>
-    <p:extLst>
-      <p:ext uri="{BB962C8B-B14F-4D97-AF65-F5344CB8AC3E}">
-        <p14:creationId xmlns:p14="http://schemas.microsoft.com/office/powerpoint/2010/main" val="3457115410"/>
-      </p:ext>
-    </p:extLst>
-  </p:cSld>
-  <p:clrMapOvr>
-    <a:masterClrMapping/>
-  </p:clrMapOvr>
-  <mc:AlternateContent xmlns:mc="http://schemas.openxmlformats.org/markup-compatibility/2006">
-    <mc:Choice xmlns:p15="http://schemas.microsoft.com/office/powerpoint/2012/main" Requires="p15">
-      <p:transition xmlns:p14="http://schemas.microsoft.com/office/powerpoint/2010/main" spd="slow" p14:dur="2000">
-        <p15:prstTrans prst="drape"/>
-      </p:transition>
-    </mc:Choice>
-    <mc:Fallback>
-      <p:transition spd="slow">
-        <p:fade/>
-      </p:transition>
-    </mc:Fallback>
-  </mc:AlternateContent>
-</p:sld>
-</file>
-
-<file path=ppt/slides/slide30.xml><?xml version="1.0" encoding="utf-8"?>
-<p:sld xmlns:a="http://schemas.openxmlformats.org/drawingml/2006/main" xmlns:r="http://schemas.openxmlformats.org/officeDocument/2006/relationships" xmlns:p="http://schemas.openxmlformats.org/presentationml/2006/main">
-  <p:cSld>
-    <p:spTree>
-      <p:nvGrpSpPr>
-        <p:cNvPr id="1" name=""/>
-        <p:cNvGrpSpPr/>
-        <p:nvPr/>
-      </p:nvGrpSpPr>
-      <p:grpSpPr>
-        <a:xfrm>
-          <a:off x="0" y="0"/>
-          <a:ext cx="0" cy="0"/>
-          <a:chOff x="0" y="0"/>
-          <a:chExt cx="0" cy="0"/>
-        </a:xfrm>
-      </p:grpSpPr>
-      <p:sp>
-        <p:nvSpPr>
-          <p:cNvPr id="7" name="Title 6">
-            <a:extLst>
-              <a:ext uri="{FF2B5EF4-FFF2-40B4-BE49-F238E27FC236}">
-                <a16:creationId xmlns:a16="http://schemas.microsoft.com/office/drawing/2014/main" id="{2BB05B51-D978-4212-8A58-F2D7004D5C3D}"/>
-              </a:ext>
-            </a:extLst>
-          </p:cNvPr>
-          <p:cNvSpPr>
-            <a:spLocks noGrp="1"/>
-          </p:cNvSpPr>
-          <p:nvPr>
-            <p:ph type="title"/>
-          </p:nvPr>
-        </p:nvSpPr>
-        <p:spPr/>
-        <p:txBody>
-          <a:bodyPr/>
-          <a:lstStyle/>
-          <a:p>
-            <a:r>
-              <a:rPr lang="en-US" dirty="0"/>
-              <a:t>Summary</a:t>
-            </a:r>
-            <a:endParaRPr lang="en-IN" dirty="0"/>
-          </a:p>
-        </p:txBody>
-      </p:sp>
-      <p:sp>
-        <p:nvSpPr>
-          <p:cNvPr id="8" name="Content Placeholder 7">
-            <a:extLst>
-              <a:ext uri="{FF2B5EF4-FFF2-40B4-BE49-F238E27FC236}">
-                <a16:creationId xmlns:a16="http://schemas.microsoft.com/office/drawing/2014/main" id="{D422AA9D-DD85-41AA-840F-EFDAD5FA3357}"/>
-              </a:ext>
-            </a:extLst>
-          </p:cNvPr>
-          <p:cNvSpPr>
-            <a:spLocks noGrp="1"/>
-          </p:cNvSpPr>
-          <p:nvPr>
-            <p:ph idx="1"/>
-          </p:nvPr>
-        </p:nvSpPr>
-        <p:spPr/>
-        <p:txBody>
-          <a:bodyPr/>
-          <a:lstStyle/>
-          <a:p>
-            <a:r>
-              <a:rPr lang="en-US" b="1" dirty="0"/>
-              <a:t>Overview</a:t>
-            </a:r>
-          </a:p>
-          <a:p>
-            <a:pPr marL="0" indent="0">
-              <a:buNone/>
-            </a:pPr>
-            <a:r>
-              <a:rPr lang="en-US" dirty="0"/>
-              <a:t>The Product Catalog Management System is a console-based application developed in Core Java. It allows users to manage a catalog of products, including adding, viewing, updating, searching, sorting, deleting products, and simulating purchases. The system supports authentication, differentiating between administrators and regular users, with specific functionalities accessible based on user roles.</a:t>
-            </a:r>
-          </a:p>
-          <a:p>
-            <a:endParaRPr lang="en-IN" dirty="0"/>
-          </a:p>
-        </p:txBody>
-      </p:sp>
-    </p:spTree>
-    <p:extLst>
-      <p:ext uri="{BB962C8B-B14F-4D97-AF65-F5344CB8AC3E}">
-        <p14:creationId xmlns:p14="http://schemas.microsoft.com/office/powerpoint/2010/main" val="2336968963"/>
-      </p:ext>
-    </p:extLst>
-  </p:cSld>
-  <p:clrMapOvr>
-    <a:masterClrMapping/>
-  </p:clrMapOvr>
-  <p:transition spd="slow">
-    <p:wheel spokes="1"/>
-  </p:transition>
-</p:sld>
-</file>
-
-<file path=ppt/slides/slide31.xml><?xml version="1.0" encoding="utf-8"?>
-<p:sld xmlns:a="http://schemas.openxmlformats.org/drawingml/2006/main" xmlns:r="http://schemas.openxmlformats.org/officeDocument/2006/relationships" xmlns:p="http://schemas.openxmlformats.org/presentationml/2006/main">
-  <p:cSld>
-    <p:spTree>
-      <p:nvGrpSpPr>
-        <p:cNvPr id="1" name=""/>
-        <p:cNvGrpSpPr/>
-        <p:nvPr/>
-      </p:nvGrpSpPr>
-      <p:grpSpPr>
-        <a:xfrm>
-          <a:off x="0" y="0"/>
-          <a:ext cx="0" cy="0"/>
-          <a:chOff x="0" y="0"/>
-          <a:chExt cx="0" cy="0"/>
-        </a:xfrm>
-      </p:grpSpPr>
-      <p:sp>
-        <p:nvSpPr>
-          <p:cNvPr id="7" name="Title 6">
-            <a:extLst>
-              <a:ext uri="{FF2B5EF4-FFF2-40B4-BE49-F238E27FC236}">
-                <a16:creationId xmlns:a16="http://schemas.microsoft.com/office/drawing/2014/main" id="{2BB05B51-D978-4212-8A58-F2D7004D5C3D}"/>
-              </a:ext>
-            </a:extLst>
-          </p:cNvPr>
-          <p:cNvSpPr>
-            <a:spLocks noGrp="1"/>
-          </p:cNvSpPr>
-          <p:nvPr>
-            <p:ph type="title"/>
-          </p:nvPr>
-        </p:nvSpPr>
-        <p:spPr/>
-        <p:txBody>
-          <a:bodyPr/>
-          <a:lstStyle/>
-          <a:p>
-            <a:r>
-              <a:rPr lang="en-IN" b="1" dirty="0"/>
-              <a:t>Key Features</a:t>
-            </a:r>
-            <a:endParaRPr lang="en-US" b="1" dirty="0"/>
-          </a:p>
-        </p:txBody>
-      </p:sp>
-      <p:sp>
-        <p:nvSpPr>
-          <p:cNvPr id="8" name="Content Placeholder 7">
-            <a:extLst>
-              <a:ext uri="{FF2B5EF4-FFF2-40B4-BE49-F238E27FC236}">
-                <a16:creationId xmlns:a16="http://schemas.microsoft.com/office/drawing/2014/main" id="{D422AA9D-DD85-41AA-840F-EFDAD5FA3357}"/>
-              </a:ext>
-            </a:extLst>
-          </p:cNvPr>
-          <p:cNvSpPr>
-            <a:spLocks noGrp="1"/>
-          </p:cNvSpPr>
-          <p:nvPr>
-            <p:ph idx="1"/>
-          </p:nvPr>
-        </p:nvSpPr>
-        <p:spPr/>
-        <p:txBody>
-          <a:bodyPr>
-            <a:normAutofit fontScale="92500" lnSpcReduction="20000"/>
-          </a:bodyPr>
-          <a:lstStyle/>
-          <a:p>
-            <a:pPr marL="457200" indent="-457200">
-              <a:buFont typeface="+mj-lt"/>
-              <a:buAutoNum type="arabicPeriod"/>
-            </a:pPr>
-            <a:r>
-              <a:rPr lang="en-US" b="1" dirty="0"/>
-              <a:t> User Authentication:</a:t>
-            </a:r>
-            <a:endParaRPr lang="en-US" dirty="0"/>
-          </a:p>
-          <a:p>
-            <a:pPr lvl="1"/>
-            <a:r>
-              <a:rPr lang="en-US" b="1" dirty="0"/>
-              <a:t>Admin</a:t>
-            </a:r>
-            <a:r>
-              <a:rPr lang="en-US" dirty="0"/>
-              <a:t>: Has full access to all functionalities, including adding, updating, deleting products, and viewing, sorting, and searching the catalog.</a:t>
-            </a:r>
-          </a:p>
-          <a:p>
-            <a:pPr lvl="1"/>
-            <a:r>
-              <a:rPr lang="en-US" b="1" dirty="0"/>
-              <a:t>Regular User</a:t>
-            </a:r>
-            <a:r>
-              <a:rPr lang="en-US" dirty="0"/>
-              <a:t>: Can view, search, and purchase products from the catalog.</a:t>
-            </a:r>
-          </a:p>
-          <a:p>
-            <a:pPr marL="457200" indent="-457200">
-              <a:buFont typeface="+mj-lt"/>
-              <a:buAutoNum type="arabicPeriod"/>
-            </a:pPr>
-            <a:r>
-              <a:rPr lang="en-US" b="1" dirty="0"/>
-              <a:t>Product Management:</a:t>
-            </a:r>
-            <a:endParaRPr lang="en-US" dirty="0"/>
-          </a:p>
-          <a:p>
-            <a:pPr lvl="1"/>
-            <a:r>
-              <a:rPr lang="en-US" b="1" dirty="0"/>
-              <a:t>Add Product</a:t>
-            </a:r>
-            <a:r>
-              <a:rPr lang="en-US" dirty="0"/>
-              <a:t>: Admins can add new products to the catalog, ensuring no duplicates based on product name and category.</a:t>
-            </a:r>
-          </a:p>
-          <a:p>
-            <a:pPr lvl="1"/>
-            <a:r>
-              <a:rPr lang="en-US" b="1" dirty="0"/>
-              <a:t>View Products</a:t>
-            </a:r>
-            <a:r>
-              <a:rPr lang="en-US" dirty="0"/>
-              <a:t>: All users can view the list of products in the catalog.</a:t>
-            </a:r>
-          </a:p>
-          <a:p>
-            <a:pPr lvl="1"/>
-            <a:r>
-              <a:rPr lang="en-US" b="1" dirty="0"/>
-              <a:t>Update Product</a:t>
-            </a:r>
-            <a:r>
-              <a:rPr lang="en-US" dirty="0"/>
-              <a:t>: Admins can update the details of existing products.</a:t>
-            </a:r>
-          </a:p>
-          <a:p>
-            <a:pPr lvl="1"/>
-            <a:r>
-              <a:rPr lang="en-US" b="1" dirty="0"/>
-              <a:t>Delete Product</a:t>
-            </a:r>
-            <a:r>
-              <a:rPr lang="en-US" dirty="0"/>
-              <a:t>: Admins can remove products from the catalog.</a:t>
-            </a:r>
-          </a:p>
-          <a:p>
-            <a:endParaRPr lang="en-IN" dirty="0"/>
-          </a:p>
-        </p:txBody>
-      </p:sp>
-    </p:spTree>
-    <p:extLst>
-      <p:ext uri="{BB962C8B-B14F-4D97-AF65-F5344CB8AC3E}">
-        <p14:creationId xmlns:p14="http://schemas.microsoft.com/office/powerpoint/2010/main" val="3027038654"/>
-      </p:ext>
-    </p:extLst>
-  </p:cSld>
-  <p:clrMapOvr>
-    <a:masterClrMapping/>
-  </p:clrMapOvr>
-  <mc:AlternateContent xmlns:mc="http://schemas.openxmlformats.org/markup-compatibility/2006">
-    <mc:Choice xmlns:p15="http://schemas.microsoft.com/office/powerpoint/2012/main" Requires="p15">
-      <p:transition xmlns:p14="http://schemas.microsoft.com/office/powerpoint/2010/main" spd="slow" p14:dur="2000">
-        <p15:prstTrans prst="drape"/>
-      </p:transition>
-    </mc:Choice>
-    <mc:Fallback>
+    <mc:Fallback xmlns="">
       <p:transition spd="slow">
         <p:fade/>
       </p:transition>
@@ -7511,10 +7452,10 @@
           <a:lstStyle/>
           <a:p>
             <a:r>
-              <a:rPr lang="en-IN" b="1" dirty="0"/>
-              <a:t>Key Features</a:t>
-            </a:r>
-            <a:endParaRPr lang="en-US" b="1" dirty="0"/>
+              <a:rPr lang="en-US" dirty="0"/>
+              <a:t>Summary</a:t>
+            </a:r>
+            <a:endParaRPr lang="en-IN" dirty="0"/>
           </a:p>
         </p:txBody>
       </p:sp>
@@ -7534,66 +7475,23 @@
             <p:ph idx="1"/>
           </p:nvPr>
         </p:nvSpPr>
-        <p:spPr>
-          <a:xfrm>
-            <a:off x="1534696" y="2510118"/>
-            <a:ext cx="9520158" cy="3543363"/>
-          </a:xfrm>
-        </p:spPr>
-        <p:txBody>
-          <a:bodyPr>
-            <a:normAutofit/>
-          </a:bodyPr>
-          <a:lstStyle/>
-          <a:p>
-            <a:pPr marL="457200" indent="-457200">
-              <a:buFont typeface="+mj-lt"/>
-              <a:buAutoNum type="arabicPeriod" startAt="3"/>
+        <p:spPr/>
+        <p:txBody>
+          <a:bodyPr/>
+          <a:lstStyle/>
+          <a:p>
+            <a:r>
+              <a:rPr lang="en-US" b="1" dirty="0"/>
+              <a:t>Overview</a:t>
+            </a:r>
+          </a:p>
+          <a:p>
+            <a:pPr marL="0" indent="0">
+              <a:buNone/>
             </a:pPr>
             <a:r>
-              <a:rPr lang="en-US" b="1" dirty="0"/>
-              <a:t> Search and Sort:</a:t>
-            </a:r>
-            <a:endParaRPr lang="en-US" dirty="0"/>
-          </a:p>
-          <a:p>
-            <a:pPr lvl="1"/>
-            <a:r>
-              <a:rPr lang="en-US" b="1" dirty="0"/>
-              <a:t>Search Product</a:t>
-            </a:r>
-            <a:r>
-              <a:rPr lang="en-US" dirty="0"/>
-              <a:t>: Users can search for products by name or subsequence.</a:t>
-            </a:r>
-          </a:p>
-          <a:p>
-            <a:pPr lvl="1"/>
-            <a:r>
-              <a:rPr lang="en-US" b="1" dirty="0"/>
-              <a:t>Sort Products</a:t>
-            </a:r>
-            <a:r>
-              <a:rPr lang="en-US" dirty="0"/>
-              <a:t>: Admins can sort products by name (ascending/descending) and by price (ascending/descending).</a:t>
-            </a:r>
-          </a:p>
-          <a:p>
-            <a:pPr marL="457200" indent="-457200">
-              <a:buFont typeface="+mj-lt"/>
-              <a:buAutoNum type="arabicPeriod" startAt="4"/>
-            </a:pPr>
-            <a:r>
-              <a:rPr lang="en-US" b="1" dirty="0"/>
-              <a:t>Purchase Simulation:</a:t>
-            </a:r>
-            <a:endParaRPr lang="en-US" dirty="0"/>
-          </a:p>
-          <a:p>
-            <a:pPr lvl="1"/>
-            <a:r>
-              <a:rPr lang="en-US" dirty="0"/>
-              <a:t>Regular users can simulate purchasing products, where the product's quantity is updated based on the purchase.</a:t>
+              <a:rPr lang="en-US" dirty="0"/>
+              <a:t>The Product Catalog Management System is a console-based application developed in Core Java. It allows users to manage a catalog of products, including adding, viewing, updating, searching, sorting, deleting products, and simulating purchases. The system supports authentication, differentiating between administrators and regular users, with specific functionalities accessible based on user roles.</a:t>
             </a:r>
           </a:p>
           <a:p>
@@ -7604,25 +7502,16 @@
     </p:spTree>
     <p:extLst>
       <p:ext uri="{BB962C8B-B14F-4D97-AF65-F5344CB8AC3E}">
-        <p14:creationId xmlns:p14="http://schemas.microsoft.com/office/powerpoint/2010/main" val="264173877"/>
+        <p14:creationId xmlns:p14="http://schemas.microsoft.com/office/powerpoint/2010/main" val="2336968963"/>
       </p:ext>
     </p:extLst>
   </p:cSld>
   <p:clrMapOvr>
     <a:masterClrMapping/>
   </p:clrMapOvr>
-  <mc:AlternateContent xmlns:mc="http://schemas.openxmlformats.org/markup-compatibility/2006">
-    <mc:Choice xmlns:p15="http://schemas.microsoft.com/office/powerpoint/2012/main" Requires="p15">
-      <p:transition xmlns:p14="http://schemas.microsoft.com/office/powerpoint/2010/main" spd="slow" p14:dur="2000">
-        <p15:prstTrans prst="drape"/>
-      </p:transition>
-    </mc:Choice>
-    <mc:Fallback>
-      <p:transition spd="slow">
-        <p:fade/>
-      </p:transition>
-    </mc:Fallback>
-  </mc:AlternateContent>
+  <p:transition spd="slow">
+    <p:wheel spokes="1"/>
+  </p:transition>
 </p:sld>
 </file>
 
@@ -7750,13 +7639,13 @@
   <p:clrMapOvr>
     <a:masterClrMapping/>
   </p:clrMapOvr>
-  <mc:AlternateContent xmlns:mc="http://schemas.openxmlformats.org/markup-compatibility/2006">
-    <mc:Choice xmlns:p15="http://schemas.microsoft.com/office/powerpoint/2012/main" Requires="p15">
+  <mc:AlternateContent xmlns:mc="http://schemas.openxmlformats.org/markup-compatibility/2006" xmlns:p15="http://schemas.microsoft.com/office/powerpoint/2012/main">
+    <mc:Choice Requires="p15">
       <p:transition xmlns:p14="http://schemas.microsoft.com/office/powerpoint/2010/main" spd="slow" p14:dur="2000">
         <p15:prstTrans prst="drape"/>
       </p:transition>
     </mc:Choice>
-    <mc:Fallback>
+    <mc:Fallback xmlns="">
       <p:transition spd="slow">
         <p:fade/>
       </p:transition>
@@ -7903,13 +7792,13 @@
   <p:clrMapOvr>
     <a:masterClrMapping/>
   </p:clrMapOvr>
-  <mc:AlternateContent xmlns:mc="http://schemas.openxmlformats.org/markup-compatibility/2006">
-    <mc:Choice xmlns:p15="http://schemas.microsoft.com/office/powerpoint/2012/main" Requires="p15">
+  <mc:AlternateContent xmlns:mc="http://schemas.openxmlformats.org/markup-compatibility/2006" xmlns:p15="http://schemas.microsoft.com/office/powerpoint/2012/main">
+    <mc:Choice Requires="p15">
       <p:transition xmlns:p14="http://schemas.microsoft.com/office/powerpoint/2010/main" spd="slow" p14:dur="2000">
         <p15:prstTrans prst="drape"/>
       </p:transition>
     </mc:Choice>
-    <mc:Fallback>
+    <mc:Fallback xmlns="">
       <p:transition spd="slow">
         <p:fade/>
       </p:transition>
@@ -8003,13 +7892,13 @@
   <p:clrMapOvr>
     <a:masterClrMapping/>
   </p:clrMapOvr>
-  <mc:AlternateContent xmlns:mc="http://schemas.openxmlformats.org/markup-compatibility/2006">
-    <mc:Choice xmlns:p15="http://schemas.microsoft.com/office/powerpoint/2012/main" Requires="p15">
+  <mc:AlternateContent xmlns:mc="http://schemas.openxmlformats.org/markup-compatibility/2006" xmlns:p15="http://schemas.microsoft.com/office/powerpoint/2012/main">
+    <mc:Choice Requires="p15">
       <p:transition xmlns:p14="http://schemas.microsoft.com/office/powerpoint/2010/main" spd="slow" p14:dur="2000">
         <p15:prstTrans prst="drape"/>
       </p:transition>
     </mc:Choice>
-    <mc:Fallback>
+    <mc:Fallback xmlns="">
       <p:transition spd="slow">
         <p:fade/>
       </p:transition>
@@ -8171,13 +8060,13 @@
   <p:clrMapOvr>
     <a:masterClrMapping/>
   </p:clrMapOvr>
-  <mc:AlternateContent xmlns:mc="http://schemas.openxmlformats.org/markup-compatibility/2006">
-    <mc:Choice xmlns:p15="http://schemas.microsoft.com/office/powerpoint/2012/main" Requires="p15">
+  <mc:AlternateContent xmlns:mc="http://schemas.openxmlformats.org/markup-compatibility/2006" xmlns:p15="http://schemas.microsoft.com/office/powerpoint/2012/main">
+    <mc:Choice Requires="p15">
       <p:transition xmlns:p14="http://schemas.microsoft.com/office/powerpoint/2010/main" spd="slow" p14:dur="2000">
         <p15:prstTrans prst="fallOver"/>
       </p:transition>
     </mc:Choice>
-    <mc:Fallback>
+    <mc:Fallback xmlns="">
       <p:transition spd="slow">
         <p:fade/>
       </p:transition>
@@ -8351,13 +8240,13 @@
   <p:clrMapOvr>
     <a:masterClrMapping/>
   </p:clrMapOvr>
-  <mc:AlternateContent xmlns:mc="http://schemas.openxmlformats.org/markup-compatibility/2006">
-    <mc:Choice xmlns:p15="http://schemas.microsoft.com/office/powerpoint/2012/main" Requires="p15">
+  <mc:AlternateContent xmlns:mc="http://schemas.openxmlformats.org/markup-compatibility/2006" xmlns:p15="http://schemas.microsoft.com/office/powerpoint/2012/main">
+    <mc:Choice Requires="p15">
       <p:transition xmlns:p14="http://schemas.microsoft.com/office/powerpoint/2010/main" spd="slow" p14:dur="2000">
         <p15:prstTrans prst="drape"/>
       </p:transition>
     </mc:Choice>
-    <mc:Fallback>
+    <mc:Fallback xmlns="">
       <p:transition spd="slow">
         <p:fade/>
       </p:transition>
@@ -8447,13 +8336,13 @@
   <p:clrMapOvr>
     <a:masterClrMapping/>
   </p:clrMapOvr>
-  <mc:AlternateContent xmlns:mc="http://schemas.openxmlformats.org/markup-compatibility/2006">
-    <mc:Choice xmlns:p14="http://schemas.microsoft.com/office/powerpoint/2010/main" Requires="p14">
+  <mc:AlternateContent xmlns:mc="http://schemas.openxmlformats.org/markup-compatibility/2006" xmlns:p14="http://schemas.microsoft.com/office/powerpoint/2010/main">
+    <mc:Choice Requires="p14">
       <p:transition spd="slow" p14:dur="1600">
         <p14:prism isInverted="1"/>
       </p:transition>
     </mc:Choice>
-    <mc:Fallback>
+    <mc:Fallback xmlns="">
       <p:transition spd="slow">
         <p:fade/>
       </p:transition>
@@ -8481,10 +8370,10 @@
       </p:grpSpPr>
       <p:sp>
         <p:nvSpPr>
-          <p:cNvPr id="2" name="Title 1">
+          <p:cNvPr id="7" name="Title 6">
             <a:extLst>
               <a:ext uri="{FF2B5EF4-FFF2-40B4-BE49-F238E27FC236}">
-                <a16:creationId xmlns:a16="http://schemas.microsoft.com/office/drawing/2014/main" id="{D5C42805-1C69-4FD0-BA91-A9FDDA371B3B}"/>
+                <a16:creationId xmlns:a16="http://schemas.microsoft.com/office/drawing/2014/main" id="{2BB05B51-D978-4212-8A58-F2D7004D5C3D}"/>
               </a:ext>
             </a:extLst>
           </p:cNvPr>
@@ -8501,18 +8390,19 @@
           <a:lstStyle/>
           <a:p>
             <a:r>
-              <a:rPr lang="en-IN" dirty="0"/>
-              <a:t>Introduction</a:t>
-            </a:r>
-          </a:p>
-        </p:txBody>
-      </p:sp>
-      <p:sp>
-        <p:nvSpPr>
-          <p:cNvPr id="3" name="Content Placeholder 2">
+              <a:rPr lang="en-IN" b="1" dirty="0"/>
+              <a:t>Key Features</a:t>
+            </a:r>
+            <a:endParaRPr lang="en-US" b="1" dirty="0"/>
+          </a:p>
+        </p:txBody>
+      </p:sp>
+      <p:sp>
+        <p:nvSpPr>
+          <p:cNvPr id="8" name="Content Placeholder 7">
             <a:extLst>
               <a:ext uri="{FF2B5EF4-FFF2-40B4-BE49-F238E27FC236}">
-                <a16:creationId xmlns:a16="http://schemas.microsoft.com/office/drawing/2014/main" id="{F9EECFC2-37B0-4939-A16C-2D27EEDA76AA}"/>
+                <a16:creationId xmlns:a16="http://schemas.microsoft.com/office/drawing/2014/main" id="{D422AA9D-DD85-41AA-840F-EFDAD5FA3357}"/>
               </a:ext>
             </a:extLst>
           </p:cNvPr>
@@ -8526,27 +8416,95 @@
         <p:spPr/>
         <p:txBody>
           <a:bodyPr>
-            <a:normAutofit lnSpcReduction="10000"/>
+            <a:normAutofit fontScale="92500" lnSpcReduction="20000"/>
           </a:bodyPr>
           <a:lstStyle/>
           <a:p>
-            <a:r>
-              <a:rPr lang="en-US" dirty="0"/>
-              <a:t>The </a:t>
-            </a:r>
+            <a:pPr marL="457200" indent="-457200">
+              <a:buFont typeface="+mj-lt"/>
+              <a:buAutoNum type="arabicPeriod"/>
+            </a:pPr>
             <a:r>
               <a:rPr lang="en-US" b="1" dirty="0"/>
-              <a:t>Product Catalog Management System</a:t>
-            </a:r>
-            <a:r>
-              <a:rPr lang="en-US" dirty="0"/>
-              <a:t> is a console-based application developed in Core Java, designed to handle the management of a product inventory. It leverages file handling, console I/O, error handling, and sorting techniques to provide a robust solution for maintaining and organizing products.</a:t>
-            </a:r>
-          </a:p>
-          <a:p>
-            <a:r>
-              <a:rPr lang="en-US" dirty="0"/>
-              <a:t>This project ensures that product data is stored persistently in a file, enabling data retrieval even after the program is restarted. It features a simple and intuitive workflow with user authentication to restrict access to authorized users only.</a:t>
+              <a:t> User Authentication:</a:t>
+            </a:r>
+            <a:endParaRPr lang="en-US" dirty="0"/>
+          </a:p>
+          <a:p>
+            <a:pPr lvl="1"/>
+            <a:r>
+              <a:rPr lang="en-US" b="1" dirty="0"/>
+              <a:t>Admin</a:t>
+            </a:r>
+            <a:r>
+              <a:rPr lang="en-US" dirty="0"/>
+              <a:t>: Has full access to all functionalities, including adding, updating, deleting products, and viewing, sorting, and searching the catalog.</a:t>
+            </a:r>
+          </a:p>
+          <a:p>
+            <a:pPr lvl="1"/>
+            <a:r>
+              <a:rPr lang="en-US" b="1" dirty="0"/>
+              <a:t>Regular User</a:t>
+            </a:r>
+            <a:r>
+              <a:rPr lang="en-US" dirty="0"/>
+              <a:t>: Can view, search, and purchase products from the catalog.</a:t>
+            </a:r>
+          </a:p>
+          <a:p>
+            <a:pPr marL="457200" indent="-457200">
+              <a:buFont typeface="+mj-lt"/>
+              <a:buAutoNum type="arabicPeriod"/>
+            </a:pPr>
+            <a:r>
+              <a:rPr lang="en-US" b="1" dirty="0"/>
+              <a:t>Product Management:</a:t>
+            </a:r>
+            <a:endParaRPr lang="en-US" dirty="0"/>
+          </a:p>
+          <a:p>
+            <a:pPr lvl="1"/>
+            <a:r>
+              <a:rPr lang="en-US" b="1" dirty="0"/>
+              <a:t>Add Product</a:t>
+            </a:r>
+            <a:r>
+              <a:rPr lang="en-US" dirty="0"/>
+              <a:t>: Admins can add new products to the catalog, ensuring no duplicates based on product name and category.</a:t>
+            </a:r>
+          </a:p>
+          <a:p>
+            <a:pPr lvl="1"/>
+            <a:r>
+              <a:rPr lang="en-US" b="1" dirty="0"/>
+              <a:t>View Products</a:t>
+            </a:r>
+            <a:r>
+              <a:rPr lang="en-US" dirty="0"/>
+              <a:t>: All users can view the list of products in the catalog.</a:t>
+            </a:r>
+          </a:p>
+          <a:p>
+            <a:pPr lvl="1"/>
+            <a:r>
+              <a:rPr lang="en-US" b="1" dirty="0"/>
+              <a:t>Update Product</a:t>
+            </a:r>
+            <a:r>
+              <a:rPr lang="en-US" dirty="0"/>
+              <a:t>: Admins can update the details of existing products.</a:t>
+            </a:r>
+          </a:p>
+          <a:p>
+            <a:pPr lvl="1"/>
+            <a:r>
+              <a:rPr lang="en-US" b="1" dirty="0"/>
+              <a:t>Delete Product</a:t>
+            </a:r>
+            <a:r>
+              <a:rPr lang="en-US" dirty="0"/>
+              <a:t>: Admins can remove products from the catalog.</a:t>
             </a:r>
           </a:p>
           <a:p>
@@ -8557,20 +8515,20 @@
     </p:spTree>
     <p:extLst>
       <p:ext uri="{BB962C8B-B14F-4D97-AF65-F5344CB8AC3E}">
-        <p14:creationId xmlns:p14="http://schemas.microsoft.com/office/powerpoint/2010/main" val="3592857857"/>
+        <p14:creationId xmlns:p14="http://schemas.microsoft.com/office/powerpoint/2010/main" val="3027038654"/>
       </p:ext>
     </p:extLst>
   </p:cSld>
   <p:clrMapOvr>
     <a:masterClrMapping/>
   </p:clrMapOvr>
-  <mc:AlternateContent xmlns:mc="http://schemas.openxmlformats.org/markup-compatibility/2006">
-    <mc:Choice xmlns:p15="http://schemas.microsoft.com/office/powerpoint/2012/main" Requires="p15">
+  <mc:AlternateContent xmlns:mc="http://schemas.openxmlformats.org/markup-compatibility/2006" xmlns:p15="http://schemas.microsoft.com/office/powerpoint/2012/main">
+    <mc:Choice Requires="p15">
       <p:transition xmlns:p14="http://schemas.microsoft.com/office/powerpoint/2010/main" spd="slow" p14:dur="2000">
         <p15:prstTrans prst="drape"/>
       </p:transition>
     </mc:Choice>
-    <mc:Fallback>
+    <mc:Fallback xmlns="">
       <p:transition spd="slow">
         <p:fade/>
       </p:transition>
@@ -8580,6 +8538,160 @@
 </file>
 
 <file path=ppt/slides/slide5.xml><?xml version="1.0" encoding="utf-8"?>
+<p:sld xmlns:a="http://schemas.openxmlformats.org/drawingml/2006/main" xmlns:r="http://schemas.openxmlformats.org/officeDocument/2006/relationships" xmlns:p="http://schemas.openxmlformats.org/presentationml/2006/main">
+  <p:cSld>
+    <p:spTree>
+      <p:nvGrpSpPr>
+        <p:cNvPr id="1" name=""/>
+        <p:cNvGrpSpPr/>
+        <p:nvPr/>
+      </p:nvGrpSpPr>
+      <p:grpSpPr>
+        <a:xfrm>
+          <a:off x="0" y="0"/>
+          <a:ext cx="0" cy="0"/>
+          <a:chOff x="0" y="0"/>
+          <a:chExt cx="0" cy="0"/>
+        </a:xfrm>
+      </p:grpSpPr>
+      <p:sp>
+        <p:nvSpPr>
+          <p:cNvPr id="7" name="Title 6">
+            <a:extLst>
+              <a:ext uri="{FF2B5EF4-FFF2-40B4-BE49-F238E27FC236}">
+                <a16:creationId xmlns:a16="http://schemas.microsoft.com/office/drawing/2014/main" id="{2BB05B51-D978-4212-8A58-F2D7004D5C3D}"/>
+              </a:ext>
+            </a:extLst>
+          </p:cNvPr>
+          <p:cNvSpPr>
+            <a:spLocks noGrp="1"/>
+          </p:cNvSpPr>
+          <p:nvPr>
+            <p:ph type="title"/>
+          </p:nvPr>
+        </p:nvSpPr>
+        <p:spPr/>
+        <p:txBody>
+          <a:bodyPr/>
+          <a:lstStyle/>
+          <a:p>
+            <a:r>
+              <a:rPr lang="en-IN" b="1" dirty="0"/>
+              <a:t>Key Features</a:t>
+            </a:r>
+            <a:endParaRPr lang="en-US" b="1" dirty="0"/>
+          </a:p>
+        </p:txBody>
+      </p:sp>
+      <p:sp>
+        <p:nvSpPr>
+          <p:cNvPr id="8" name="Content Placeholder 7">
+            <a:extLst>
+              <a:ext uri="{FF2B5EF4-FFF2-40B4-BE49-F238E27FC236}">
+                <a16:creationId xmlns:a16="http://schemas.microsoft.com/office/drawing/2014/main" id="{D422AA9D-DD85-41AA-840F-EFDAD5FA3357}"/>
+              </a:ext>
+            </a:extLst>
+          </p:cNvPr>
+          <p:cNvSpPr>
+            <a:spLocks noGrp="1"/>
+          </p:cNvSpPr>
+          <p:nvPr>
+            <p:ph idx="1"/>
+          </p:nvPr>
+        </p:nvSpPr>
+        <p:spPr>
+          <a:xfrm>
+            <a:off x="1534696" y="2510118"/>
+            <a:ext cx="9520158" cy="3543363"/>
+          </a:xfrm>
+        </p:spPr>
+        <p:txBody>
+          <a:bodyPr>
+            <a:normAutofit/>
+          </a:bodyPr>
+          <a:lstStyle/>
+          <a:p>
+            <a:pPr marL="457200" indent="-457200">
+              <a:buFont typeface="+mj-lt"/>
+              <a:buAutoNum type="arabicPeriod" startAt="3"/>
+            </a:pPr>
+            <a:r>
+              <a:rPr lang="en-US" b="1" dirty="0"/>
+              <a:t> Search and Sort:</a:t>
+            </a:r>
+            <a:endParaRPr lang="en-US" dirty="0"/>
+          </a:p>
+          <a:p>
+            <a:pPr lvl="1"/>
+            <a:r>
+              <a:rPr lang="en-US" b="1" dirty="0"/>
+              <a:t>Search Product</a:t>
+            </a:r>
+            <a:r>
+              <a:rPr lang="en-US" dirty="0"/>
+              <a:t>: Users can search for products by name or subsequence.</a:t>
+            </a:r>
+          </a:p>
+          <a:p>
+            <a:pPr lvl="1"/>
+            <a:r>
+              <a:rPr lang="en-US" b="1" dirty="0"/>
+              <a:t>Sort Products</a:t>
+            </a:r>
+            <a:r>
+              <a:rPr lang="en-US" dirty="0"/>
+              <a:t>: Admins can sort products by name (ascending/descending) and by price (ascending/descending).</a:t>
+            </a:r>
+          </a:p>
+          <a:p>
+            <a:pPr marL="457200" indent="-457200">
+              <a:buFont typeface="+mj-lt"/>
+              <a:buAutoNum type="arabicPeriod" startAt="4"/>
+            </a:pPr>
+            <a:r>
+              <a:rPr lang="en-US" b="1" dirty="0"/>
+              <a:t>Purchase Simulation:</a:t>
+            </a:r>
+            <a:endParaRPr lang="en-US" dirty="0"/>
+          </a:p>
+          <a:p>
+            <a:pPr lvl="1"/>
+            <a:r>
+              <a:rPr lang="en-US" dirty="0"/>
+              <a:t>Regular users can simulate purchasing products, where the product's quantity is updated based on the purchase.</a:t>
+            </a:r>
+          </a:p>
+          <a:p>
+            <a:endParaRPr lang="en-IN" dirty="0"/>
+          </a:p>
+        </p:txBody>
+      </p:sp>
+    </p:spTree>
+    <p:extLst>
+      <p:ext uri="{BB962C8B-B14F-4D97-AF65-F5344CB8AC3E}">
+        <p14:creationId xmlns:p14="http://schemas.microsoft.com/office/powerpoint/2010/main" val="264173877"/>
+      </p:ext>
+    </p:extLst>
+  </p:cSld>
+  <p:clrMapOvr>
+    <a:masterClrMapping/>
+  </p:clrMapOvr>
+  <mc:AlternateContent xmlns:mc="http://schemas.openxmlformats.org/markup-compatibility/2006" xmlns:p15="http://schemas.microsoft.com/office/powerpoint/2012/main">
+    <mc:Choice Requires="p15">
+      <p:transition xmlns:p14="http://schemas.microsoft.com/office/powerpoint/2010/main" spd="slow" p14:dur="2000">
+        <p15:prstTrans prst="drape"/>
+      </p:transition>
+    </mc:Choice>
+    <mc:Fallback xmlns="">
+      <p:transition spd="slow">
+        <p:fade/>
+      </p:transition>
+    </mc:Fallback>
+  </mc:AlternateContent>
+</p:sld>
+</file>
+
+<file path=ppt/slides/slide6.xml><?xml version="1.0" encoding="utf-8"?>
 <p:sld xmlns:a="http://schemas.openxmlformats.org/drawingml/2006/main" xmlns:r="http://schemas.openxmlformats.org/officeDocument/2006/relationships" xmlns:p="http://schemas.openxmlformats.org/presentationml/2006/main">
   <p:cSld>
     <p:spTree>
@@ -8671,118 +8783,13 @@
   <p:clrMapOvr>
     <a:masterClrMapping/>
   </p:clrMapOvr>
-  <mc:AlternateContent xmlns:mc="http://schemas.openxmlformats.org/markup-compatibility/2006">
-    <mc:Choice xmlns:p15="http://schemas.microsoft.com/office/powerpoint/2012/main" Requires="p15">
+  <mc:AlternateContent xmlns:mc="http://schemas.openxmlformats.org/markup-compatibility/2006" xmlns:p15="http://schemas.microsoft.com/office/powerpoint/2012/main">
+    <mc:Choice Requires="p15">
       <p:transition xmlns:p14="http://schemas.microsoft.com/office/powerpoint/2010/main" spd="slow" p14:dur="2000">
         <p15:prstTrans prst="drape"/>
       </p:transition>
     </mc:Choice>
-    <mc:Fallback>
-      <p:transition spd="slow">
-        <p:fade/>
-      </p:transition>
-    </mc:Fallback>
-  </mc:AlternateContent>
-</p:sld>
-</file>
-
-<file path=ppt/slides/slide6.xml><?xml version="1.0" encoding="utf-8"?>
-<p:sld xmlns:a="http://schemas.openxmlformats.org/drawingml/2006/main" xmlns:r="http://schemas.openxmlformats.org/officeDocument/2006/relationships" xmlns:p="http://schemas.openxmlformats.org/presentationml/2006/main">
-  <p:cSld>
-    <p:spTree>
-      <p:nvGrpSpPr>
-        <p:cNvPr id="1" name=""/>
-        <p:cNvGrpSpPr/>
-        <p:nvPr/>
-      </p:nvGrpSpPr>
-      <p:grpSpPr>
-        <a:xfrm>
-          <a:off x="0" y="0"/>
-          <a:ext cx="0" cy="0"/>
-          <a:chOff x="0" y="0"/>
-          <a:chExt cx="0" cy="0"/>
-        </a:xfrm>
-      </p:grpSpPr>
-      <p:sp>
-        <p:nvSpPr>
-          <p:cNvPr id="2" name="Title 1">
-            <a:extLst>
-              <a:ext uri="{FF2B5EF4-FFF2-40B4-BE49-F238E27FC236}">
-                <a16:creationId xmlns:a16="http://schemas.microsoft.com/office/drawing/2014/main" id="{D5C42805-1C69-4FD0-BA91-A9FDDA371B3B}"/>
-              </a:ext>
-            </a:extLst>
-          </p:cNvPr>
-          <p:cNvSpPr>
-            <a:spLocks noGrp="1"/>
-          </p:cNvSpPr>
-          <p:nvPr>
-            <p:ph type="title"/>
-          </p:nvPr>
-        </p:nvSpPr>
-        <p:spPr>
-          <a:xfrm>
-            <a:off x="1534696" y="804520"/>
-            <a:ext cx="9520158" cy="683622"/>
-          </a:xfrm>
-        </p:spPr>
-        <p:txBody>
-          <a:bodyPr/>
-          <a:lstStyle/>
-          <a:p>
-            <a:r>
-              <a:rPr lang="en-US" dirty="0"/>
-              <a:t>Authentication Flow</a:t>
-            </a:r>
-            <a:endParaRPr lang="en-IN" dirty="0"/>
-          </a:p>
-        </p:txBody>
-      </p:sp>
-      <p:pic>
-        <p:nvPicPr>
-          <p:cNvPr id="5" name="Content Placeholder 4">
-            <a:extLst>
-              <a:ext uri="{FF2B5EF4-FFF2-40B4-BE49-F238E27FC236}">
-                <a16:creationId xmlns:a16="http://schemas.microsoft.com/office/drawing/2014/main" id="{D4BC3EDB-599E-4154-AFBB-FA643F6F55F7}"/>
-              </a:ext>
-            </a:extLst>
-          </p:cNvPr>
-          <p:cNvPicPr>
-            <a:picLocks noGrp="1" noChangeAspect="1"/>
-          </p:cNvPicPr>
-          <p:nvPr>
-            <p:ph idx="1"/>
-          </p:nvPr>
-        </p:nvPicPr>
-        <p:blipFill>
-          <a:blip r:embed="rId2"/>
-          <a:stretch>
-            <a:fillRect/>
-          </a:stretch>
-        </p:blipFill>
-        <p:spPr>
-          <a:xfrm>
-            <a:off x="1739154" y="1666500"/>
-            <a:ext cx="8444752" cy="4386980"/>
-          </a:xfrm>
-        </p:spPr>
-      </p:pic>
-    </p:spTree>
-    <p:extLst>
-      <p:ext uri="{BB962C8B-B14F-4D97-AF65-F5344CB8AC3E}">
-        <p14:creationId xmlns:p14="http://schemas.microsoft.com/office/powerpoint/2010/main" val="1851365449"/>
-      </p:ext>
-    </p:extLst>
-  </p:cSld>
-  <p:clrMapOvr>
-    <a:masterClrMapping/>
-  </p:clrMapOvr>
-  <mc:AlternateContent xmlns:mc="http://schemas.openxmlformats.org/markup-compatibility/2006">
-    <mc:Choice xmlns:p15="http://schemas.microsoft.com/office/powerpoint/2012/main" Requires="p15">
-      <p:transition xmlns:p14="http://schemas.microsoft.com/office/powerpoint/2010/main" spd="slow" p14:dur="2000">
-        <p15:prstTrans prst="drape"/>
-      </p:transition>
-    </mc:Choice>
-    <mc:Fallback>
+    <mc:Fallback xmlns="">
       <p:transition spd="slow">
         <p:fade/>
       </p:transition>
@@ -8827,16 +8834,18 @@
         <p:spPr>
           <a:xfrm>
             <a:off x="1534696" y="804520"/>
-            <a:ext cx="9520158" cy="683622"/>
+            <a:ext cx="9520158" cy="475640"/>
           </a:xfrm>
         </p:spPr>
         <p:txBody>
-          <a:bodyPr/>
-          <a:lstStyle/>
-          <a:p>
-            <a:r>
-              <a:rPr lang="en-US" dirty="0"/>
-              <a:t>Add Product Flow</a:t>
+          <a:bodyPr>
+            <a:normAutofit fontScale="90000"/>
+          </a:bodyPr>
+          <a:lstStyle/>
+          <a:p>
+            <a:r>
+              <a:rPr lang="en-US" dirty="0"/>
+              <a:t>Use Case Diagram</a:t>
             </a:r>
             <a:endParaRPr lang="en-IN" dirty="0"/>
           </a:p>
@@ -8866,28 +8875,28 @@
         </p:blipFill>
         <p:spPr>
           <a:xfrm>
-            <a:off x="1972235" y="1666500"/>
-            <a:ext cx="8104094" cy="4259171"/>
+            <a:off x="1837765" y="1541929"/>
+            <a:ext cx="8166847" cy="4582671"/>
           </a:xfrm>
         </p:spPr>
       </p:pic>
     </p:spTree>
     <p:extLst>
       <p:ext uri="{BB962C8B-B14F-4D97-AF65-F5344CB8AC3E}">
-        <p14:creationId xmlns:p14="http://schemas.microsoft.com/office/powerpoint/2010/main" val="2567477000"/>
+        <p14:creationId xmlns:p14="http://schemas.microsoft.com/office/powerpoint/2010/main" val="3214880367"/>
       </p:ext>
     </p:extLst>
   </p:cSld>
   <p:clrMapOvr>
     <a:masterClrMapping/>
   </p:clrMapOvr>
-  <mc:AlternateContent xmlns:mc="http://schemas.openxmlformats.org/markup-compatibility/2006">
-    <mc:Choice xmlns:p15="http://schemas.microsoft.com/office/powerpoint/2012/main" Requires="p15">
+  <mc:AlternateContent xmlns:mc="http://schemas.openxmlformats.org/markup-compatibility/2006" xmlns:p15="http://schemas.microsoft.com/office/powerpoint/2012/main">
+    <mc:Choice Requires="p15">
       <p:transition xmlns:p14="http://schemas.microsoft.com/office/powerpoint/2010/main" spd="slow" p14:dur="2000">
         <p15:prstTrans prst="drape"/>
       </p:transition>
     </mc:Choice>
-    <mc:Fallback>
+    <mc:Fallback xmlns="">
       <p:transition spd="slow">
         <p:fade/>
       </p:transition>
@@ -8941,7 +8950,7 @@
           <a:p>
             <a:r>
               <a:rPr lang="en-US" dirty="0"/>
-              <a:t>Update Product Flow</a:t>
+              <a:t>Class Diagram</a:t>
             </a:r>
             <a:endParaRPr lang="en-IN" dirty="0"/>
           </a:p>
@@ -8971,28 +8980,28 @@
         </p:blipFill>
         <p:spPr>
           <a:xfrm>
-            <a:off x="2519081" y="1666500"/>
-            <a:ext cx="6633883" cy="4223312"/>
+            <a:off x="537882" y="1631576"/>
+            <a:ext cx="11313459" cy="4545105"/>
           </a:xfrm>
         </p:spPr>
       </p:pic>
     </p:spTree>
     <p:extLst>
       <p:ext uri="{BB962C8B-B14F-4D97-AF65-F5344CB8AC3E}">
-        <p14:creationId xmlns:p14="http://schemas.microsoft.com/office/powerpoint/2010/main" val="1300478876"/>
+        <p14:creationId xmlns:p14="http://schemas.microsoft.com/office/powerpoint/2010/main" val="2712989000"/>
       </p:ext>
     </p:extLst>
   </p:cSld>
   <p:clrMapOvr>
     <a:masterClrMapping/>
   </p:clrMapOvr>
-  <mc:AlternateContent xmlns:mc="http://schemas.openxmlformats.org/markup-compatibility/2006">
-    <mc:Choice xmlns:p15="http://schemas.microsoft.com/office/powerpoint/2012/main" Requires="p15">
+  <mc:AlternateContent xmlns:mc="http://schemas.openxmlformats.org/markup-compatibility/2006" xmlns:p15="http://schemas.microsoft.com/office/powerpoint/2012/main">
+    <mc:Choice Requires="p15">
       <p:transition xmlns:p14="http://schemas.microsoft.com/office/powerpoint/2010/main" spd="slow" p14:dur="2000">
         <p15:prstTrans prst="drape"/>
       </p:transition>
     </mc:Choice>
-    <mc:Fallback>
+    <mc:Fallback xmlns="">
       <p:transition spd="slow">
         <p:fade/>
       </p:transition>
@@ -9023,7 +9032,7 @@
           <p:cNvPr id="2" name="Title 1">
             <a:extLst>
               <a:ext uri="{FF2B5EF4-FFF2-40B4-BE49-F238E27FC236}">
-                <a16:creationId xmlns:a16="http://schemas.microsoft.com/office/drawing/2014/main" id="{D5C42805-1C69-4FD0-BA91-A9FDDA371B3B}"/>
+                <a16:creationId xmlns:a16="http://schemas.microsoft.com/office/drawing/2014/main" id="{8671E6AF-A599-49A7-94FE-5C2406E9BE8A}"/>
               </a:ext>
             </a:extLst>
           </p:cNvPr>
@@ -9034,70 +9043,65 @@
             <p:ph type="title"/>
           </p:nvPr>
         </p:nvSpPr>
-        <p:spPr>
-          <a:xfrm>
-            <a:off x="1534696" y="804520"/>
-            <a:ext cx="9520158" cy="683622"/>
-          </a:xfrm>
-        </p:spPr>
-        <p:txBody>
-          <a:bodyPr/>
-          <a:lstStyle/>
-          <a:p>
-            <a:r>
-              <a:rPr lang="en-US" dirty="0"/>
-              <a:t>Delete Product Flow</a:t>
+        <p:spPr/>
+        <p:txBody>
+          <a:bodyPr/>
+          <a:lstStyle/>
+          <a:p>
+            <a:r>
+              <a:rPr lang="en-US" dirty="0"/>
+              <a:t>Explanation Of Class Diagram</a:t>
             </a:r>
             <a:endParaRPr lang="en-IN" dirty="0"/>
           </a:p>
         </p:txBody>
       </p:sp>
-      <p:pic>
-        <p:nvPicPr>
-          <p:cNvPr id="5" name="Content Placeholder 4">
+      <p:sp>
+        <p:nvSpPr>
+          <p:cNvPr id="3" name="Content Placeholder 2">
             <a:extLst>
               <a:ext uri="{FF2B5EF4-FFF2-40B4-BE49-F238E27FC236}">
-                <a16:creationId xmlns:a16="http://schemas.microsoft.com/office/drawing/2014/main" id="{D4BC3EDB-599E-4154-AFBB-FA643F6F55F7}"/>
+                <a16:creationId xmlns:a16="http://schemas.microsoft.com/office/drawing/2014/main" id="{3AE5BE1D-3483-4CDE-9CD3-5DC1FC73246C}"/>
               </a:ext>
             </a:extLst>
           </p:cNvPr>
-          <p:cNvPicPr>
-            <a:picLocks noGrp="1" noChangeAspect="1"/>
-          </p:cNvPicPr>
+          <p:cNvSpPr>
+            <a:spLocks noGrp="1"/>
+          </p:cNvSpPr>
           <p:nvPr>
             <p:ph idx="1"/>
           </p:nvPr>
-        </p:nvPicPr>
-        <p:blipFill>
-          <a:blip r:embed="rId2"/>
-          <a:stretch>
-            <a:fillRect/>
-          </a:stretch>
-        </p:blipFill>
-        <p:spPr>
-          <a:xfrm>
-            <a:off x="3509633" y="1666500"/>
-            <a:ext cx="4569847" cy="4017123"/>
-          </a:xfrm>
-        </p:spPr>
-      </p:pic>
+        </p:nvSpPr>
+        <p:spPr/>
+        <p:txBody>
+          <a:bodyPr/>
+          <a:lstStyle/>
+          <a:p>
+            <a:r>
+              <a:rPr lang="en-US" dirty="0"/>
+              <a:t>This class diagram shows the relationships and interactions between the classes, illustrating the structure and functionality of the Product Catalog Management System.</a:t>
+            </a:r>
+            <a:endParaRPr lang="en-IN" dirty="0"/>
+          </a:p>
+        </p:txBody>
+      </p:sp>
     </p:spTree>
     <p:extLst>
       <p:ext uri="{BB962C8B-B14F-4D97-AF65-F5344CB8AC3E}">
-        <p14:creationId xmlns:p14="http://schemas.microsoft.com/office/powerpoint/2010/main" val="3913478022"/>
+        <p14:creationId xmlns:p14="http://schemas.microsoft.com/office/powerpoint/2010/main" val="2149779927"/>
       </p:ext>
     </p:extLst>
   </p:cSld>
   <p:clrMapOvr>
     <a:masterClrMapping/>
   </p:clrMapOvr>
-  <mc:AlternateContent xmlns:mc="http://schemas.openxmlformats.org/markup-compatibility/2006">
-    <mc:Choice xmlns:p15="http://schemas.microsoft.com/office/powerpoint/2012/main" Requires="p15">
+  <mc:AlternateContent xmlns:mc="http://schemas.openxmlformats.org/markup-compatibility/2006" xmlns:p15="http://schemas.microsoft.com/office/powerpoint/2012/main">
+    <mc:Choice Requires="p15">
       <p:transition xmlns:p14="http://schemas.microsoft.com/office/powerpoint/2010/main" spd="slow" p14:dur="2000">
         <p15:prstTrans prst="drape"/>
       </p:transition>
     </mc:Choice>
-    <mc:Fallback>
+    <mc:Fallback xmlns="">
       <p:transition spd="slow">
         <p:fade/>
       </p:transition>
